--- a/MentOS - Implementazione Buddy System.pptx
+++ b/MentOS - Implementazione Buddy System.pptx
@@ -145,6 +145,7 @@
 <file path=ppt/revisionInfo.xml><?xml version="1.0" encoding="utf-8"?>
 <p1510:revInfo xmlns:a="http://schemas.openxmlformats.org/drawingml/2006/main" xmlns:r="http://schemas.openxmlformats.org/officeDocument/2006/relationships" xmlns:p1510="http://schemas.microsoft.com/office/powerpoint/2015/10/main">
   <p1510:revLst>
+    <p1510:client id="{219B5AF3-36B8-40E9-845C-328FD76F345B}" v="15" dt="2023-08-21T18:14:59.687"/>
     <p1510:client id="{4695EA6F-4094-4219-ADC5-3AA12FA4C804}" v="1421" dt="2023-08-20T18:42:41.955"/>
     <p1510:client id="{78E688B9-F0F5-41D6-A1C4-65FE35993A7B}" v="1921" dt="2023-08-20T17:25:00.832"/>
     <p1510:client id="{A13A2E85-D644-41F7-A212-2CD31A227435}" v="257" dt="2023-08-21T14:51:58.708"/>
@@ -11945,8 +11946,8 @@
         </p:nvSpPr>
         <p:spPr>
           <a:xfrm>
-            <a:off x="619585" y="609812"/>
-            <a:ext cx="3375706" cy="4810760"/>
+            <a:off x="610292" y="860714"/>
+            <a:ext cx="3375706" cy="3835029"/>
           </a:xfrm>
         </p:spPr>
         <p:txBody>
@@ -12061,7 +12062,7 @@
         </p:blipFill>
         <p:spPr>
           <a:xfrm>
-            <a:off x="931079" y="5070136"/>
+            <a:off x="921786" y="4754185"/>
             <a:ext cx="2743200" cy="1219200"/>
           </a:xfrm>
           <a:prstGeom prst="rect">
@@ -14149,12 +14150,12 @@
               <a:t>La funzione richiede come parametri un'istanza del </a:t>
             </a:r>
             <a:r>
-              <a:rPr lang="it-IT" sz="2200" err="1"/>
+              <a:rPr lang="it-IT" sz="2200" dirty="0" err="1"/>
               <a:t>buddy</a:t>
             </a:r>
             <a:r>
               <a:rPr lang="it-IT" sz="2200" dirty="0"/>
-              <a:t> system è l'ordine del blocco di pagine che vogliamo ottenere. Restituisce la prima pagina del blocco</a:t>
+              <a:t> system e l'ordine del blocco di pagine che vogliamo ottenere. Restituisce la prima pagina del blocco</a:t>
             </a:r>
           </a:p>
           <a:p>
@@ -14751,7 +14752,7 @@
               <a:t>A questo punto si procede a recuperare la prima pagina della lista (area) mediante la funzione </a:t>
             </a:r>
             <a:r>
-              <a:rPr lang="it-IT" sz="2000" i="1" err="1"/>
+              <a:rPr lang="it-IT" sz="2000" i="1" dirty="0" err="1"/>
               <a:t>list_entry</a:t>
             </a:r>
             <a:r>
@@ -14763,15 +14764,15 @@
               <a:t>(che in realtà è una #define </a:t>
             </a:r>
             <a:r>
-              <a:rPr lang="it-IT" sz="2000" err="1"/>
-              <a:t>ustao</a:t>
+              <a:rPr lang="it-IT" sz="2000" u="sng" dirty="0"/>
+              <a:t>usato</a:t>
             </a:r>
             <a:r>
               <a:rPr lang="it-IT" sz="2000" dirty="0"/>
               <a:t> come alias per una </a:t>
             </a:r>
             <a:r>
-              <a:rPr lang="it-IT" sz="2000" i="1" err="1"/>
+              <a:rPr lang="it-IT" sz="2000" i="1" dirty="0" err="1"/>
               <a:t>container_of</a:t>
             </a:r>
             <a:r>
@@ -14783,7 +14784,7 @@
               <a:t>) e successivamente si rimuove la pagina trovata dalla lista con la </a:t>
             </a:r>
             <a:r>
-              <a:rPr lang="it-IT" sz="2000" i="1" err="1"/>
+              <a:rPr lang="it-IT" sz="2000" i="1" dirty="0" err="1"/>
               <a:t>list_head_remove</a:t>
             </a:r>
             <a:r>
@@ -19739,8 +19740,8 @@
         </p:nvSpPr>
         <p:spPr>
           <a:xfrm>
-            <a:off x="460386" y="702484"/>
-            <a:ext cx="11336274" cy="5927607"/>
+            <a:off x="460386" y="563094"/>
+            <a:ext cx="11336274" cy="6066997"/>
           </a:xfrm>
           <a:prstGeom prst="rect">
             <a:avLst/>
@@ -19975,39 +19976,31 @@
               <a:buAutoNum type="arabicPeriod"/>
             </a:pPr>
             <a:r>
-              <a:rPr lang="it-IT" sz="2200" dirty="0">
+              <a:rPr lang="it-IT" sz="2000" dirty="0">
                 <a:ea typeface="+mn-lt"/>
                 <a:cs typeface="+mn-lt"/>
               </a:rPr>
               <a:t>fo = ro</a:t>
             </a:r>
-            <a:endParaRPr lang="it-IT" dirty="0">
-              <a:ea typeface="+mn-lt"/>
-              <a:cs typeface="+mn-lt"/>
-            </a:endParaRPr>
           </a:p>
           <a:p>
             <a:pPr marL="457200" indent="-457200">
               <a:buAutoNum type="arabicPeriod"/>
             </a:pPr>
             <a:r>
-              <a:rPr lang="it-IT" sz="2200" b="1" err="1">
+              <a:rPr lang="it-IT" sz="2000" b="1" err="1">
                 <a:ea typeface="+mn-lt"/>
                 <a:cs typeface="+mn-lt"/>
               </a:rPr>
               <a:t>while</a:t>
             </a:r>
             <a:r>
-              <a:rPr lang="it-IT" sz="2200" dirty="0">
+              <a:rPr lang="it-IT" sz="2000" dirty="0">
                 <a:ea typeface="+mn-lt"/>
                 <a:cs typeface="+mn-lt"/>
               </a:rPr>
               <a:t> fo &lt; MAX_ORDER do </a:t>
             </a:r>
-            <a:endParaRPr lang="it-IT" dirty="0">
-              <a:ea typeface="+mn-lt"/>
-              <a:cs typeface="+mn-lt"/>
-            </a:endParaRPr>
           </a:p>
           <a:p>
             <a:pPr marL="457200" indent="-457200">
@@ -20062,24 +20055,20 @@
               </a:rPr>
               <a:t> </a:t>
             </a:r>
-            <a:endParaRPr lang="it-IT">
-              <a:ea typeface="+mn-lt"/>
-              <a:cs typeface="+mn-lt"/>
-            </a:endParaRPr>
           </a:p>
           <a:p>
             <a:pPr marL="457200" indent="-457200">
               <a:buAutoNum type="arabicPeriod"/>
             </a:pPr>
             <a:r>
-              <a:rPr lang="it-IT" sz="2200" dirty="0">
+              <a:rPr lang="it-IT" sz="2000" dirty="0">
                 <a:ea typeface="+mn-lt"/>
                 <a:cs typeface="+mn-lt"/>
               </a:rPr>
               <a:t>      goto </a:t>
             </a:r>
             <a:r>
-              <a:rPr lang="it-IT" sz="2200" b="1" dirty="0">
+              <a:rPr lang="it-IT" sz="2000" b="1" dirty="0">
                 <a:ea typeface="+mn-lt"/>
                 <a:cs typeface="+mn-lt"/>
               </a:rPr>
@@ -20091,90 +20080,78 @@
               <a:buAutoNum type="arabicPeriod"/>
             </a:pPr>
             <a:r>
-              <a:rPr lang="it-IT" sz="2200" dirty="0">
+              <a:rPr lang="it-IT" sz="2000" dirty="0">
                 <a:ea typeface="+mn-lt"/>
                 <a:cs typeface="+mn-lt"/>
               </a:rPr>
               <a:t>   end </a:t>
             </a:r>
             <a:r>
-              <a:rPr lang="it-IT" sz="2200" b="1" err="1">
+              <a:rPr lang="it-IT" sz="2000" b="1" err="1">
                 <a:ea typeface="+mn-lt"/>
                 <a:cs typeface="+mn-lt"/>
               </a:rPr>
               <a:t>if</a:t>
             </a:r>
             <a:r>
-              <a:rPr lang="it-IT" sz="2200" b="1" dirty="0">
+              <a:rPr lang="it-IT" sz="2000" b="1" dirty="0">
                 <a:ea typeface="+mn-lt"/>
                 <a:cs typeface="+mn-lt"/>
               </a:rPr>
               <a:t> </a:t>
             </a:r>
-            <a:endParaRPr lang="it-IT" b="1">
-              <a:ea typeface="+mn-lt"/>
-              <a:cs typeface="+mn-lt"/>
-            </a:endParaRPr>
           </a:p>
           <a:p>
             <a:pPr marL="457200" indent="-457200">
               <a:buAutoNum type="arabicPeriod"/>
             </a:pPr>
             <a:r>
-              <a:rPr lang="it-IT" sz="2200" dirty="0">
+              <a:rPr lang="it-IT" sz="2000" dirty="0">
                 <a:ea typeface="+mn-lt"/>
                 <a:cs typeface="+mn-lt"/>
               </a:rPr>
               <a:t>   fo = fo + 1 </a:t>
             </a:r>
-            <a:endParaRPr lang="it-IT" dirty="0">
-              <a:ea typeface="+mn-lt"/>
-              <a:cs typeface="+mn-lt"/>
-            </a:endParaRPr>
           </a:p>
           <a:p>
             <a:pPr marL="457200" indent="-457200">
               <a:buAutoNum type="arabicPeriod"/>
             </a:pPr>
             <a:r>
-              <a:rPr lang="it-IT" sz="2200" dirty="0">
+              <a:rPr lang="it-IT" sz="2000" dirty="0">
                 <a:ea typeface="+mn-lt"/>
                 <a:cs typeface="+mn-lt"/>
               </a:rPr>
               <a:t>end </a:t>
             </a:r>
             <a:r>
-              <a:rPr lang="it-IT" sz="2200" b="1" err="1">
+              <a:rPr lang="it-IT" sz="2000" b="1" err="1">
                 <a:ea typeface="+mn-lt"/>
                 <a:cs typeface="+mn-lt"/>
               </a:rPr>
               <a:t>while</a:t>
             </a:r>
             <a:r>
-              <a:rPr lang="it-IT" sz="2200" b="1" dirty="0">
+              <a:rPr lang="it-IT" sz="2000" b="1" dirty="0">
                 <a:ea typeface="+mn-lt"/>
                 <a:cs typeface="+mn-lt"/>
               </a:rPr>
               <a:t> </a:t>
             </a:r>
-            <a:endParaRPr lang="it-IT" b="1">
-              <a:ea typeface="+mn-lt"/>
-              <a:cs typeface="+mn-lt"/>
-            </a:endParaRPr>
           </a:p>
           <a:p>
             <a:pPr marL="457200" indent="-457200">
               <a:buAutoNum type="arabicPeriod"/>
             </a:pPr>
             <a:r>
-              <a:rPr lang="it-IT" sz="2200" dirty="0" err="1">
+              <a:rPr lang="it-IT" sz="2000" err="1">
                 <a:ea typeface="+mn-lt"/>
                 <a:cs typeface="+mn-lt"/>
               </a:rPr>
               <a:t>return</a:t>
             </a:r>
             <a:r>
-              <a:rPr lang="it-IT" sz="2200" dirty="0">
+              <a:rPr lang="it-IT" sz="2000" dirty="0">
                 <a:ea typeface="+mn-lt"/>
                 <a:cs typeface="+mn-lt"/>
               </a:rPr>
@@ -20186,58 +20163,54 @@
               <a:buAutoNum type="arabicPeriod"/>
             </a:pPr>
             <a:r>
-              <a:rPr lang="it-IT" sz="2200" b="1" dirty="0">
+              <a:rPr lang="it-IT" sz="2000" b="1" dirty="0">
                 <a:ea typeface="+mn-lt"/>
                 <a:cs typeface="+mn-lt"/>
               </a:rPr>
               <a:t>FOUND</a:t>
             </a:r>
             <a:r>
-              <a:rPr lang="it-IT" sz="2200" dirty="0">
+              <a:rPr lang="it-IT" sz="2000" dirty="0">
                 <a:ea typeface="+mn-lt"/>
                 <a:cs typeface="+mn-lt"/>
               </a:rPr>
               <a:t>: </a:t>
             </a:r>
-            <a:endParaRPr lang="it-IT">
-              <a:ea typeface="+mn-lt"/>
-              <a:cs typeface="+mn-lt"/>
-            </a:endParaRPr>
           </a:p>
           <a:p>
             <a:pPr marL="457200" indent="-457200">
               <a:buAutoNum type="arabicPeriod"/>
             </a:pPr>
             <a:r>
-              <a:rPr lang="it-IT" sz="2200" dirty="0" err="1">
+              <a:rPr lang="it-IT" sz="2000" err="1">
                 <a:ea typeface="+mn-lt"/>
                 <a:cs typeface="+mn-lt"/>
               </a:rPr>
               <a:t>block</a:t>
             </a:r>
             <a:r>
-              <a:rPr lang="it-IT" sz="2200" dirty="0">
+              <a:rPr lang="it-IT" sz="2000" dirty="0">
                 <a:ea typeface="+mn-lt"/>
                 <a:cs typeface="+mn-lt"/>
               </a:rPr>
               <a:t> = </a:t>
             </a:r>
             <a:r>
-              <a:rPr lang="it-IT" sz="2200" dirty="0" err="1">
+              <a:rPr lang="it-IT" sz="2000" err="1">
                 <a:ea typeface="+mn-lt"/>
                 <a:cs typeface="+mn-lt"/>
               </a:rPr>
               <a:t>getFirstBlock</a:t>
             </a:r>
             <a:r>
-              <a:rPr lang="it-IT" sz="2200" dirty="0">
+              <a:rPr lang="it-IT" sz="2000" dirty="0">
                 <a:ea typeface="+mn-lt"/>
                 <a:cs typeface="+mn-lt"/>
               </a:rPr>
               <a:t>(fr[fo]) </a:t>
             </a:r>
             <a:r>
-              <a:rPr lang="it-IT" sz="2200" dirty="0">
+              <a:rPr lang="it-IT" sz="2000" dirty="0">
                 <a:solidFill>
                   <a:schemeClr val="accent1"/>
                 </a:solidFill>
@@ -20246,48 +20219,41 @@
               </a:rPr>
               <a:t>//restituisce il primo blocco della lista di blocchi liberi di ordine fo</a:t>
             </a:r>
-            <a:endParaRPr lang="it-IT">
-              <a:solidFill>
-                <a:schemeClr val="accent1"/>
-              </a:solidFill>
-              <a:ea typeface="+mn-lt"/>
-              <a:cs typeface="+mn-lt"/>
-            </a:endParaRPr>
           </a:p>
           <a:p>
             <a:pPr marL="457200" indent="-457200">
               <a:buAutoNum type="arabicPeriod"/>
             </a:pPr>
             <a:r>
-              <a:rPr lang="it-IT" sz="2200" dirty="0" err="1">
+              <a:rPr lang="it-IT" sz="2000" err="1">
                 <a:ea typeface="+mn-lt"/>
                 <a:cs typeface="+mn-lt"/>
               </a:rPr>
               <a:t>removeBlock</a:t>
             </a:r>
             <a:r>
-              <a:rPr lang="it-IT" sz="2200" dirty="0">
+              <a:rPr lang="it-IT" sz="2000" dirty="0">
                 <a:ea typeface="+mn-lt"/>
                 <a:cs typeface="+mn-lt"/>
               </a:rPr>
               <a:t>(fr[fo], </a:t>
             </a:r>
             <a:r>
-              <a:rPr lang="it-IT" sz="2200" dirty="0" err="1">
+              <a:rPr lang="it-IT" sz="2000" err="1">
                 <a:ea typeface="+mn-lt"/>
                 <a:cs typeface="+mn-lt"/>
               </a:rPr>
               <a:t>block</a:t>
             </a:r>
             <a:r>
-              <a:rPr lang="it-IT" sz="2200" dirty="0">
+              <a:rPr lang="it-IT" sz="2000" dirty="0">
                 <a:ea typeface="+mn-lt"/>
                 <a:cs typeface="+mn-lt"/>
               </a:rPr>
               <a:t>) </a:t>
             </a:r>
             <a:r>
-              <a:rPr lang="it-IT" sz="2200" dirty="0">
+              <a:rPr lang="it-IT" sz="2000" dirty="0">
                 <a:solidFill>
                   <a:schemeClr val="accent1"/>
                 </a:solidFill>
@@ -20296,7 +20262,7 @@
               </a:rPr>
               <a:t>//elimina il blocco trovato dalla lista in cui si trovava</a:t>
             </a:r>
-            <a:endParaRPr lang="it-IT" dirty="0">
+            <a:endParaRPr lang="it-IT" sz="2000" dirty="0">
               <a:solidFill>
                 <a:schemeClr val="accent1"/>
               </a:solidFill>

--- a/MentOS - Implementazione Buddy System.pptx
+++ b/MentOS - Implementazione Buddy System.pptx
@@ -973,20 +973,24 @@
             </a:lnSpc>
           </a:pPr>
           <a:r>
-            <a:rPr lang="it-IT" dirty="0" err="1"/>
-            <a:t>MentOS</a:t>
+            <a:rPr lang="it-IT" dirty="0"/>
+            <a:t>MentOS: </a:t>
           </a:r>
           <a:r>
-            <a:rPr lang="it-IT" dirty="0"/>
-            <a:t>: </a:t>
+            <a:rPr lang="it-IT" u="sng" dirty="0">
+              <a:latin typeface="Calibri"/>
+              <a:cs typeface="Calibri"/>
+              <a:hlinkClick xmlns:r="http://schemas.openxmlformats.org/officeDocument/2006/relationships" r:id=""/>
+            </a:rPr>
+            <a:t>https://mentos-team.github.io/doc/doxygen/index.html</a:t>
           </a:r>
-          <a:r>
-            <a:rPr lang="it-IT" dirty="0">
-              <a:hlinkClick xmlns:r="http://schemas.openxmlformats.org/officeDocument/2006/relationships" r:id="rId1"/>
-            </a:rPr>
-            <a:t>https://mentos-team.github.io/</a:t>
-          </a:r>
-          <a:endParaRPr lang="en-US" dirty="0"/>
+          <a:endParaRPr lang="it-IT" dirty="0">
+            <a:solidFill>
+              <a:srgbClr val="000000"/>
+            </a:solidFill>
+            <a:latin typeface="Calibri"/>
+            <a:cs typeface="Calibri"/>
+          </a:endParaRPr>
         </a:p>
       </dgm:t>
     </dgm:pt>
@@ -1132,8 +1136,10 @@
             <a:t> of the </a:t>
           </a:r>
           <a:r>
-            <a:rPr lang="it-IT" dirty="0" err="1"/>
-            <a:t>above</a:t>
+            <a:rPr lang="it-IT" dirty="0">
+              <a:latin typeface="Gill Sans MT" panose="020B0502020104020203"/>
+            </a:rPr>
+            <a:t>previous</a:t>
           </a:r>
           <a:endParaRPr lang="en-US" dirty="0" err="1"/>
         </a:p>
@@ -1272,13 +1278,13 @@
       <dgm:prSet presAssocID="{95B74B8E-BF46-45F0-AA3B-9B8C7AADD9FC}" presName="iconRect" presStyleLbl="node1" presStyleIdx="0" presStyleCnt="3"/>
       <dgm:spPr>
         <a:blipFill>
-          <a:blip xmlns:r="http://schemas.openxmlformats.org/officeDocument/2006/relationships" r:embed="rId2">
+          <a:blip xmlns:r="http://schemas.openxmlformats.org/officeDocument/2006/relationships" r:embed="rId1">
             <a:extLst>
               <a:ext uri="{28A0092B-C50C-407E-A947-70E740481C1C}">
                 <a14:useLocalDpi xmlns:a14="http://schemas.microsoft.com/office/drawing/2010/main" val="0"/>
               </a:ext>
               <a:ext uri="{96DAC541-7B7A-43D3-8B79-37D633B846F1}">
-                <asvg:svgBlip xmlns:asvg="http://schemas.microsoft.com/office/drawing/2016/SVG/main" r:embed="rId3"/>
+                <asvg:svgBlip xmlns:asvg="http://schemas.microsoft.com/office/drawing/2016/SVG/main" r:embed="rId2"/>
               </a:ext>
             </a:extLst>
           </a:blip>
@@ -1331,13 +1337,13 @@
       <dgm:prSet presAssocID="{130B7427-C1A4-45B7-8912-D7A7B73722BD}" presName="iconRect" presStyleLbl="node1" presStyleIdx="1" presStyleCnt="3"/>
       <dgm:spPr>
         <a:blipFill>
-          <a:blip xmlns:r="http://schemas.openxmlformats.org/officeDocument/2006/relationships" r:embed="rId4">
+          <a:blip xmlns:r="http://schemas.openxmlformats.org/officeDocument/2006/relationships" r:embed="rId3">
             <a:extLst>
               <a:ext uri="{28A0092B-C50C-407E-A947-70E740481C1C}">
                 <a14:useLocalDpi xmlns:a14="http://schemas.microsoft.com/office/drawing/2010/main" val="0"/>
               </a:ext>
               <a:ext uri="{96DAC541-7B7A-43D3-8B79-37D633B846F1}">
-                <asvg:svgBlip xmlns:asvg="http://schemas.microsoft.com/office/drawing/2016/SVG/main" r:embed="rId5"/>
+                <asvg:svgBlip xmlns:asvg="http://schemas.microsoft.com/office/drawing/2016/SVG/main" r:embed="rId4"/>
               </a:ext>
             </a:extLst>
           </a:blip>
@@ -1390,13 +1396,13 @@
       <dgm:prSet presAssocID="{92571C8D-64DD-4E80-AC21-5D63DE3A4DC5}" presName="iconRect" presStyleLbl="node1" presStyleIdx="2" presStyleCnt="3"/>
       <dgm:spPr>
         <a:blipFill>
-          <a:blip xmlns:r="http://schemas.openxmlformats.org/officeDocument/2006/relationships" r:embed="rId6">
+          <a:blip xmlns:r="http://schemas.openxmlformats.org/officeDocument/2006/relationships" r:embed="rId5">
             <a:extLst>
               <a:ext uri="{28A0092B-C50C-407E-A947-70E740481C1C}">
                 <a14:useLocalDpi xmlns:a14="http://schemas.microsoft.com/office/drawing/2010/main" val="0"/>
               </a:ext>
               <a:ext uri="{96DAC541-7B7A-43D3-8B79-37D633B846F1}">
-                <asvg:svgBlip xmlns:asvg="http://schemas.microsoft.com/office/drawing/2016/SVG/main" r:embed="rId7"/>
+                <asvg:svgBlip xmlns:asvg="http://schemas.microsoft.com/office/drawing/2016/SVG/main" r:embed="rId6"/>
               </a:ext>
             </a:extLst>
           </a:blip>
@@ -1439,41 +1445,41 @@
     </dgm:pt>
   </dgm:ptLst>
   <dgm:cxnLst>
-    <dgm:cxn modelId="{F6153015-B824-4B48-9064-469742A7C178}" type="presOf" srcId="{95B74B8E-BF46-45F0-AA3B-9B8C7AADD9FC}" destId="{38D61B99-C922-44AE-B054-45726B824B12}" srcOrd="0" destOrd="0" presId="urn:microsoft.com/office/officeart/2018/5/layout/CenteredIconLabelDescriptionList"/>
+    <dgm:cxn modelId="{98684B18-B24C-47C2-A705-62EDFB17B9BF}" type="presOf" srcId="{6BE5200B-71AE-4D2A-963B-06BAA8E50666}" destId="{420765C4-FDE2-4FC0-84F0-F871DDBF974B}" srcOrd="0" destOrd="0" presId="urn:microsoft.com/office/officeart/2018/5/layout/CenteredIconLabelDescriptionList"/>
     <dgm:cxn modelId="{1F14AF1B-E209-436C-9362-DCF4AE65A04C}" srcId="{95B74B8E-BF46-45F0-AA3B-9B8C7AADD9FC}" destId="{CD0C2B99-AD72-484B-B771-69921F3C0E41}" srcOrd="1" destOrd="0" parTransId="{155E0981-2C9E-4AA7-931C-ED74F7E1346D}" sibTransId="{A3F54CF2-7820-4BA9-A656-85F2005DB8FB}"/>
+    <dgm:cxn modelId="{C09C9822-E2EE-41AD-A440-C46B2FFDC534}" type="presOf" srcId="{CD0C2B99-AD72-484B-B771-69921F3C0E41}" destId="{5FFBE124-ABE7-4DE1-984E-C9A839FD4089}" srcOrd="0" destOrd="1" presId="urn:microsoft.com/office/officeart/2018/5/layout/CenteredIconLabelDescriptionList"/>
     <dgm:cxn modelId="{6EF86B2F-23DA-47BD-8F11-D380C05CD9E3}" srcId="{95B74B8E-BF46-45F0-AA3B-9B8C7AADD9FC}" destId="{A02FBFA1-55E3-4427-B85E-2B2F75E64DBB}" srcOrd="0" destOrd="0" parTransId="{28031501-72A1-43B1-84B9-44E65E8E79D9}" sibTransId="{6D3E68DF-5005-4D84-BA29-4164ED5E0AEE}"/>
     <dgm:cxn modelId="{0280A539-006E-488D-886D-8ED58404086E}" type="presOf" srcId="{73D02362-3D01-45E9-8FCD-91AF06AC06CA}" destId="{9B1339B0-6FBF-4CAC-B8C1-2D1F819B7EE0}" srcOrd="0" destOrd="0" presId="urn:microsoft.com/office/officeart/2018/5/layout/CenteredIconLabelDescriptionList"/>
-    <dgm:cxn modelId="{516A203F-FDBB-427B-8185-E9625FDFD337}" type="presOf" srcId="{60138E9A-DF95-419E-9451-A9A42E0D79B4}" destId="{32AAB3A6-98AD-4721-8B76-ED058B92CA3F}" srcOrd="0" destOrd="0" presId="urn:microsoft.com/office/officeart/2018/5/layout/CenteredIconLabelDescriptionList"/>
-    <dgm:cxn modelId="{A9B50871-EBC8-4DF7-9BEB-35A116757391}" type="presOf" srcId="{6BE5200B-71AE-4D2A-963B-06BAA8E50666}" destId="{420765C4-FDE2-4FC0-84F0-F871DDBF974B}" srcOrd="0" destOrd="0" presId="urn:microsoft.com/office/officeart/2018/5/layout/CenteredIconLabelDescriptionList"/>
-    <dgm:cxn modelId="{C618AB58-1616-401C-B93E-1675D58D707C}" type="presOf" srcId="{CD0C2B99-AD72-484B-B771-69921F3C0E41}" destId="{5FFBE124-ABE7-4DE1-984E-C9A839FD4089}" srcOrd="0" destOrd="1" presId="urn:microsoft.com/office/officeart/2018/5/layout/CenteredIconLabelDescriptionList"/>
-    <dgm:cxn modelId="{05F44F9A-21FB-4CEF-AED9-781D87C50DD6}" type="presOf" srcId="{130B7427-C1A4-45B7-8912-D7A7B73722BD}" destId="{A03846A4-9C94-4128-82C8-C2146248D8FE}" srcOrd="0" destOrd="0" presId="urn:microsoft.com/office/officeart/2018/5/layout/CenteredIconLabelDescriptionList"/>
+    <dgm:cxn modelId="{02A50F6C-28CD-4800-AC64-E537E29BA748}" type="presOf" srcId="{60138E9A-DF95-419E-9451-A9A42E0D79B4}" destId="{32AAB3A6-98AD-4721-8B76-ED058B92CA3F}" srcOrd="0" destOrd="0" presId="urn:microsoft.com/office/officeart/2018/5/layout/CenteredIconLabelDescriptionList"/>
+    <dgm:cxn modelId="{D222519B-5583-4D20-B432-6B11AEA3D868}" type="presOf" srcId="{95B74B8E-BF46-45F0-AA3B-9B8C7AADD9FC}" destId="{38D61B99-C922-44AE-B054-45726B824B12}" srcOrd="0" destOrd="0" presId="urn:microsoft.com/office/officeart/2018/5/layout/CenteredIconLabelDescriptionList"/>
     <dgm:cxn modelId="{F484269C-45AB-429E-8DB9-1F2A249EF38B}" srcId="{92571C8D-64DD-4E80-AC21-5D63DE3A4DC5}" destId="{60138E9A-DF95-419E-9451-A9A42E0D79B4}" srcOrd="0" destOrd="0" parTransId="{6827D8B6-8C7D-47A7-B2C7-B7297F3A1F9F}" sibTransId="{6A4F8AA3-F477-48A6-97CE-D5CFDBFF5A2D}"/>
+    <dgm:cxn modelId="{FCFD71A1-C924-4516-9E65-26E9FE45FC62}" type="presOf" srcId="{92571C8D-64DD-4E80-AC21-5D63DE3A4DC5}" destId="{264FA485-238E-4BFD-AB3E-607B9B2E4CF7}" srcOrd="0" destOrd="0" presId="urn:microsoft.com/office/officeart/2018/5/layout/CenteredIconLabelDescriptionList"/>
+    <dgm:cxn modelId="{937A90C6-E4AF-4D1C-B906-6621B19F05DF}" type="presOf" srcId="{A02FBFA1-55E3-4427-B85E-2B2F75E64DBB}" destId="{5FFBE124-ABE7-4DE1-984E-C9A839FD4089}" srcOrd="0" destOrd="0" presId="urn:microsoft.com/office/officeart/2018/5/layout/CenteredIconLabelDescriptionList"/>
     <dgm:cxn modelId="{56481BC8-EDC1-4281-AE0D-DC9EF93EB24F}" srcId="{130B7427-C1A4-45B7-8912-D7A7B73722BD}" destId="{6BE5200B-71AE-4D2A-963B-06BAA8E50666}" srcOrd="0" destOrd="0" parTransId="{371B3EDB-E72F-48F0-8D5C-8AA3477B073A}" sibTransId="{7EA2334F-C227-46C9-BF30-57320895FF24}"/>
-    <dgm:cxn modelId="{F02E00DE-9944-443C-A66F-46C3C5A34020}" type="presOf" srcId="{A02FBFA1-55E3-4427-B85E-2B2F75E64DBB}" destId="{5FFBE124-ABE7-4DE1-984E-C9A839FD4089}" srcOrd="0" destOrd="0" presId="urn:microsoft.com/office/officeart/2018/5/layout/CenteredIconLabelDescriptionList"/>
     <dgm:cxn modelId="{934D39DF-4D3B-4AC2-8B4E-4B093B81D8B7}" srcId="{73D02362-3D01-45E9-8FCD-91AF06AC06CA}" destId="{130B7427-C1A4-45B7-8912-D7A7B73722BD}" srcOrd="1" destOrd="0" parTransId="{8740D98B-6865-4452-92EB-0D014A3BFE5B}" sibTransId="{6DC4EF41-0FE5-4875-9FC3-E4C137B69871}"/>
     <dgm:cxn modelId="{53BCA0E3-BBF6-49E7-93C6-A284EB7D4BFF}" srcId="{73D02362-3D01-45E9-8FCD-91AF06AC06CA}" destId="{95B74B8E-BF46-45F0-AA3B-9B8C7AADD9FC}" srcOrd="0" destOrd="0" parTransId="{3E9CDF75-3AB8-4574-BACE-ED72C5E53600}" sibTransId="{CEABFF2F-9FE8-4AC1-84E2-F6B170E22884}"/>
+    <dgm:cxn modelId="{B2BCD5F0-71B1-4739-ABFB-EDD01AD34298}" type="presOf" srcId="{130B7427-C1A4-45B7-8912-D7A7B73722BD}" destId="{A03846A4-9C94-4128-82C8-C2146248D8FE}" srcOrd="0" destOrd="0" presId="urn:microsoft.com/office/officeart/2018/5/layout/CenteredIconLabelDescriptionList"/>
     <dgm:cxn modelId="{C7762CF1-F41A-493A-A80C-E29D8F1701E3}" srcId="{73D02362-3D01-45E9-8FCD-91AF06AC06CA}" destId="{92571C8D-64DD-4E80-AC21-5D63DE3A4DC5}" srcOrd="2" destOrd="0" parTransId="{ABCCAA1B-FCCE-455B-A276-7B856A861EDB}" sibTransId="{1854FF51-4B82-436E-AC45-8EDADCB9CAC4}"/>
-    <dgm:cxn modelId="{62BD67F7-B727-444C-A814-7677B0DBFE08}" type="presOf" srcId="{92571C8D-64DD-4E80-AC21-5D63DE3A4DC5}" destId="{264FA485-238E-4BFD-AB3E-607B9B2E4CF7}" srcOrd="0" destOrd="0" presId="urn:microsoft.com/office/officeart/2018/5/layout/CenteredIconLabelDescriptionList"/>
-    <dgm:cxn modelId="{CA9EEADA-2947-4A62-A8D6-5CBC067D3C65}" type="presParOf" srcId="{9B1339B0-6FBF-4CAC-B8C1-2D1F819B7EE0}" destId="{7F15EA1D-9F93-4846-9733-A640DE2410C9}" srcOrd="0" destOrd="0" presId="urn:microsoft.com/office/officeart/2018/5/layout/CenteredIconLabelDescriptionList"/>
-    <dgm:cxn modelId="{E92D0F31-CA58-402F-AB92-D211CBD9ED0E}" type="presParOf" srcId="{7F15EA1D-9F93-4846-9733-A640DE2410C9}" destId="{B195A37D-6F68-4BB5-9A52-C325D8F9AB41}" srcOrd="0" destOrd="0" presId="urn:microsoft.com/office/officeart/2018/5/layout/CenteredIconLabelDescriptionList"/>
-    <dgm:cxn modelId="{F11EE2AB-CD4F-49E6-AF7C-C15D505E1950}" type="presParOf" srcId="{7F15EA1D-9F93-4846-9733-A640DE2410C9}" destId="{9F2B8B30-3009-4EF4-9980-CCA4392DB54F}" srcOrd="1" destOrd="0" presId="urn:microsoft.com/office/officeart/2018/5/layout/CenteredIconLabelDescriptionList"/>
-    <dgm:cxn modelId="{ED602D28-F3BC-468B-B1DF-AB6F0BC35141}" type="presParOf" srcId="{7F15EA1D-9F93-4846-9733-A640DE2410C9}" destId="{38D61B99-C922-44AE-B054-45726B824B12}" srcOrd="2" destOrd="0" presId="urn:microsoft.com/office/officeart/2018/5/layout/CenteredIconLabelDescriptionList"/>
-    <dgm:cxn modelId="{09E9D852-255B-406B-8F42-0B51C553E744}" type="presParOf" srcId="{7F15EA1D-9F93-4846-9733-A640DE2410C9}" destId="{B97BA402-A986-4FFD-8DC5-3DD3B3318A87}" srcOrd="3" destOrd="0" presId="urn:microsoft.com/office/officeart/2018/5/layout/CenteredIconLabelDescriptionList"/>
-    <dgm:cxn modelId="{984D0E18-657D-40A1-B17E-B8E48AFF4FED}" type="presParOf" srcId="{7F15EA1D-9F93-4846-9733-A640DE2410C9}" destId="{5FFBE124-ABE7-4DE1-984E-C9A839FD4089}" srcOrd="4" destOrd="0" presId="urn:microsoft.com/office/officeart/2018/5/layout/CenteredIconLabelDescriptionList"/>
-    <dgm:cxn modelId="{C64F7170-A2E8-451F-A0E2-DF3113CFDD8D}" type="presParOf" srcId="{9B1339B0-6FBF-4CAC-B8C1-2D1F819B7EE0}" destId="{D00451B2-376A-4AAB-B66B-22CF3C1B30C9}" srcOrd="1" destOrd="0" presId="urn:microsoft.com/office/officeart/2018/5/layout/CenteredIconLabelDescriptionList"/>
-    <dgm:cxn modelId="{BD61DEAC-ADDB-45D7-89F8-46599D705565}" type="presParOf" srcId="{9B1339B0-6FBF-4CAC-B8C1-2D1F819B7EE0}" destId="{3180FDE2-7329-4CB1-91B7-669D2AC3EDB9}" srcOrd="2" destOrd="0" presId="urn:microsoft.com/office/officeart/2018/5/layout/CenteredIconLabelDescriptionList"/>
-    <dgm:cxn modelId="{B6D7F593-C9FD-4160-8002-5B75634B75B0}" type="presParOf" srcId="{3180FDE2-7329-4CB1-91B7-669D2AC3EDB9}" destId="{D056E12C-C0C6-43A5-B70D-6F013F07B5A2}" srcOrd="0" destOrd="0" presId="urn:microsoft.com/office/officeart/2018/5/layout/CenteredIconLabelDescriptionList"/>
-    <dgm:cxn modelId="{ABF551E9-8818-4A9B-BEE6-9BFB0D983AFB}" type="presParOf" srcId="{3180FDE2-7329-4CB1-91B7-669D2AC3EDB9}" destId="{670C6FEB-2F63-4861-AAC2-97966ABD18B9}" srcOrd="1" destOrd="0" presId="urn:microsoft.com/office/officeart/2018/5/layout/CenteredIconLabelDescriptionList"/>
-    <dgm:cxn modelId="{1A583CBA-4D86-45AE-B4FD-E9D1A6867C87}" type="presParOf" srcId="{3180FDE2-7329-4CB1-91B7-669D2AC3EDB9}" destId="{A03846A4-9C94-4128-82C8-C2146248D8FE}" srcOrd="2" destOrd="0" presId="urn:microsoft.com/office/officeart/2018/5/layout/CenteredIconLabelDescriptionList"/>
-    <dgm:cxn modelId="{1004087B-164E-489E-A968-8FE884B302FB}" type="presParOf" srcId="{3180FDE2-7329-4CB1-91B7-669D2AC3EDB9}" destId="{0151948B-47EE-470B-86DF-B3D918A8BAD5}" srcOrd="3" destOrd="0" presId="urn:microsoft.com/office/officeart/2018/5/layout/CenteredIconLabelDescriptionList"/>
-    <dgm:cxn modelId="{60EA3F16-5B23-4CAE-A99E-29F8565F950A}" type="presParOf" srcId="{3180FDE2-7329-4CB1-91B7-669D2AC3EDB9}" destId="{420765C4-FDE2-4FC0-84F0-F871DDBF974B}" srcOrd="4" destOrd="0" presId="urn:microsoft.com/office/officeart/2018/5/layout/CenteredIconLabelDescriptionList"/>
-    <dgm:cxn modelId="{A10D9ACB-39EC-4E5D-B3E0-055B32919A7A}" type="presParOf" srcId="{9B1339B0-6FBF-4CAC-B8C1-2D1F819B7EE0}" destId="{7CECFA15-1C7A-4095-9747-BE7279297D33}" srcOrd="3" destOrd="0" presId="urn:microsoft.com/office/officeart/2018/5/layout/CenteredIconLabelDescriptionList"/>
-    <dgm:cxn modelId="{D44F3B1B-4B43-4B77-9A27-6C308B1E161B}" type="presParOf" srcId="{9B1339B0-6FBF-4CAC-B8C1-2D1F819B7EE0}" destId="{AF1FD9D5-AAC3-46C1-ADE0-AEC3D6334CD2}" srcOrd="4" destOrd="0" presId="urn:microsoft.com/office/officeart/2018/5/layout/CenteredIconLabelDescriptionList"/>
-    <dgm:cxn modelId="{C847CD93-7606-4E37-B9D0-71635123962D}" type="presParOf" srcId="{AF1FD9D5-AAC3-46C1-ADE0-AEC3D6334CD2}" destId="{5CD93740-B453-4613-BA78-AAA1E9F828BE}" srcOrd="0" destOrd="0" presId="urn:microsoft.com/office/officeart/2018/5/layout/CenteredIconLabelDescriptionList"/>
-    <dgm:cxn modelId="{7FCB88C1-46E8-42C0-AA4B-BBF754E0127E}" type="presParOf" srcId="{AF1FD9D5-AAC3-46C1-ADE0-AEC3D6334CD2}" destId="{7D195786-549D-4ACA-8B47-F4F2B1E96058}" srcOrd="1" destOrd="0" presId="urn:microsoft.com/office/officeart/2018/5/layout/CenteredIconLabelDescriptionList"/>
-    <dgm:cxn modelId="{708180B4-A88A-4734-B69D-8B5094AA0EEB}" type="presParOf" srcId="{AF1FD9D5-AAC3-46C1-ADE0-AEC3D6334CD2}" destId="{264FA485-238E-4BFD-AB3E-607B9B2E4CF7}" srcOrd="2" destOrd="0" presId="urn:microsoft.com/office/officeart/2018/5/layout/CenteredIconLabelDescriptionList"/>
-    <dgm:cxn modelId="{5FF8C6AE-BD48-43BF-A9D6-A2E36BA5F4E5}" type="presParOf" srcId="{AF1FD9D5-AAC3-46C1-ADE0-AEC3D6334CD2}" destId="{3EC53C7F-7F3B-41A2-8529-F55D1BF53499}" srcOrd="3" destOrd="0" presId="urn:microsoft.com/office/officeart/2018/5/layout/CenteredIconLabelDescriptionList"/>
-    <dgm:cxn modelId="{2912E947-E201-4EE4-9BE1-6616A476B599}" type="presParOf" srcId="{AF1FD9D5-AAC3-46C1-ADE0-AEC3D6334CD2}" destId="{32AAB3A6-98AD-4721-8B76-ED058B92CA3F}" srcOrd="4" destOrd="0" presId="urn:microsoft.com/office/officeart/2018/5/layout/CenteredIconLabelDescriptionList"/>
+    <dgm:cxn modelId="{CB1AE010-187D-4919-8E0E-2D94305012F6}" type="presParOf" srcId="{9B1339B0-6FBF-4CAC-B8C1-2D1F819B7EE0}" destId="{7F15EA1D-9F93-4846-9733-A640DE2410C9}" srcOrd="0" destOrd="0" presId="urn:microsoft.com/office/officeart/2018/5/layout/CenteredIconLabelDescriptionList"/>
+    <dgm:cxn modelId="{7362C522-DE42-4D16-9921-D5700FBAF945}" type="presParOf" srcId="{7F15EA1D-9F93-4846-9733-A640DE2410C9}" destId="{B195A37D-6F68-4BB5-9A52-C325D8F9AB41}" srcOrd="0" destOrd="0" presId="urn:microsoft.com/office/officeart/2018/5/layout/CenteredIconLabelDescriptionList"/>
+    <dgm:cxn modelId="{A4EFF482-5736-42FD-89AB-EF2BB04E192E}" type="presParOf" srcId="{7F15EA1D-9F93-4846-9733-A640DE2410C9}" destId="{9F2B8B30-3009-4EF4-9980-CCA4392DB54F}" srcOrd="1" destOrd="0" presId="urn:microsoft.com/office/officeart/2018/5/layout/CenteredIconLabelDescriptionList"/>
+    <dgm:cxn modelId="{BD9CC2C7-8232-4522-BC02-B7CA2E623BF0}" type="presParOf" srcId="{7F15EA1D-9F93-4846-9733-A640DE2410C9}" destId="{38D61B99-C922-44AE-B054-45726B824B12}" srcOrd="2" destOrd="0" presId="urn:microsoft.com/office/officeart/2018/5/layout/CenteredIconLabelDescriptionList"/>
+    <dgm:cxn modelId="{E50D6F71-59EC-477D-9478-4024860B8036}" type="presParOf" srcId="{7F15EA1D-9F93-4846-9733-A640DE2410C9}" destId="{B97BA402-A986-4FFD-8DC5-3DD3B3318A87}" srcOrd="3" destOrd="0" presId="urn:microsoft.com/office/officeart/2018/5/layout/CenteredIconLabelDescriptionList"/>
+    <dgm:cxn modelId="{E7366EA2-E538-4784-B94D-014F33D1D0AF}" type="presParOf" srcId="{7F15EA1D-9F93-4846-9733-A640DE2410C9}" destId="{5FFBE124-ABE7-4DE1-984E-C9A839FD4089}" srcOrd="4" destOrd="0" presId="urn:microsoft.com/office/officeart/2018/5/layout/CenteredIconLabelDescriptionList"/>
+    <dgm:cxn modelId="{4E081F0D-5D31-4A9E-BD41-E46CEC99E511}" type="presParOf" srcId="{9B1339B0-6FBF-4CAC-B8C1-2D1F819B7EE0}" destId="{D00451B2-376A-4AAB-B66B-22CF3C1B30C9}" srcOrd="1" destOrd="0" presId="urn:microsoft.com/office/officeart/2018/5/layout/CenteredIconLabelDescriptionList"/>
+    <dgm:cxn modelId="{CA35D488-1935-43D2-95D8-9D0F8EA31287}" type="presParOf" srcId="{9B1339B0-6FBF-4CAC-B8C1-2D1F819B7EE0}" destId="{3180FDE2-7329-4CB1-91B7-669D2AC3EDB9}" srcOrd="2" destOrd="0" presId="urn:microsoft.com/office/officeart/2018/5/layout/CenteredIconLabelDescriptionList"/>
+    <dgm:cxn modelId="{E4EEEEAE-21E5-4600-A495-6614A4C2289F}" type="presParOf" srcId="{3180FDE2-7329-4CB1-91B7-669D2AC3EDB9}" destId="{D056E12C-C0C6-43A5-B70D-6F013F07B5A2}" srcOrd="0" destOrd="0" presId="urn:microsoft.com/office/officeart/2018/5/layout/CenteredIconLabelDescriptionList"/>
+    <dgm:cxn modelId="{E409F126-4C7D-43B1-9A66-66535DF6D8E6}" type="presParOf" srcId="{3180FDE2-7329-4CB1-91B7-669D2AC3EDB9}" destId="{670C6FEB-2F63-4861-AAC2-97966ABD18B9}" srcOrd="1" destOrd="0" presId="urn:microsoft.com/office/officeart/2018/5/layout/CenteredIconLabelDescriptionList"/>
+    <dgm:cxn modelId="{943DB660-2EB3-4215-B997-DAC45DAC467C}" type="presParOf" srcId="{3180FDE2-7329-4CB1-91B7-669D2AC3EDB9}" destId="{A03846A4-9C94-4128-82C8-C2146248D8FE}" srcOrd="2" destOrd="0" presId="urn:microsoft.com/office/officeart/2018/5/layout/CenteredIconLabelDescriptionList"/>
+    <dgm:cxn modelId="{D0F3E5F3-AFA3-4A05-B628-D945C76A9F81}" type="presParOf" srcId="{3180FDE2-7329-4CB1-91B7-669D2AC3EDB9}" destId="{0151948B-47EE-470B-86DF-B3D918A8BAD5}" srcOrd="3" destOrd="0" presId="urn:microsoft.com/office/officeart/2018/5/layout/CenteredIconLabelDescriptionList"/>
+    <dgm:cxn modelId="{DF4FA949-E2BC-45E0-9F4C-B203400A6261}" type="presParOf" srcId="{3180FDE2-7329-4CB1-91B7-669D2AC3EDB9}" destId="{420765C4-FDE2-4FC0-84F0-F871DDBF974B}" srcOrd="4" destOrd="0" presId="urn:microsoft.com/office/officeart/2018/5/layout/CenteredIconLabelDescriptionList"/>
+    <dgm:cxn modelId="{5E60B351-4223-4D49-9C21-139B9EC83013}" type="presParOf" srcId="{9B1339B0-6FBF-4CAC-B8C1-2D1F819B7EE0}" destId="{7CECFA15-1C7A-4095-9747-BE7279297D33}" srcOrd="3" destOrd="0" presId="urn:microsoft.com/office/officeart/2018/5/layout/CenteredIconLabelDescriptionList"/>
+    <dgm:cxn modelId="{B86D9E3C-ECE9-4C60-B28A-4DAF123FBB6C}" type="presParOf" srcId="{9B1339B0-6FBF-4CAC-B8C1-2D1F819B7EE0}" destId="{AF1FD9D5-AAC3-46C1-ADE0-AEC3D6334CD2}" srcOrd="4" destOrd="0" presId="urn:microsoft.com/office/officeart/2018/5/layout/CenteredIconLabelDescriptionList"/>
+    <dgm:cxn modelId="{07DB3956-0ED6-4AAD-B26E-D8E9102F9EEF}" type="presParOf" srcId="{AF1FD9D5-AAC3-46C1-ADE0-AEC3D6334CD2}" destId="{5CD93740-B453-4613-BA78-AAA1E9F828BE}" srcOrd="0" destOrd="0" presId="urn:microsoft.com/office/officeart/2018/5/layout/CenteredIconLabelDescriptionList"/>
+    <dgm:cxn modelId="{C053F81D-FE86-4FE5-A3C6-8A11E3ECF406}" type="presParOf" srcId="{AF1FD9D5-AAC3-46C1-ADE0-AEC3D6334CD2}" destId="{7D195786-549D-4ACA-8B47-F4F2B1E96058}" srcOrd="1" destOrd="0" presId="urn:microsoft.com/office/officeart/2018/5/layout/CenteredIconLabelDescriptionList"/>
+    <dgm:cxn modelId="{4BBF050F-DD8A-4CE2-8BA3-5644D80C68A9}" type="presParOf" srcId="{AF1FD9D5-AAC3-46C1-ADE0-AEC3D6334CD2}" destId="{264FA485-238E-4BFD-AB3E-607B9B2E4CF7}" srcOrd="2" destOrd="0" presId="urn:microsoft.com/office/officeart/2018/5/layout/CenteredIconLabelDescriptionList"/>
+    <dgm:cxn modelId="{C3F46F8B-83A0-4C34-9486-5D7AC639E62D}" type="presParOf" srcId="{AF1FD9D5-AAC3-46C1-ADE0-AEC3D6334CD2}" destId="{3EC53C7F-7F3B-41A2-8529-F55D1BF53499}" srcOrd="3" destOrd="0" presId="urn:microsoft.com/office/officeart/2018/5/layout/CenteredIconLabelDescriptionList"/>
+    <dgm:cxn modelId="{5E69C1CE-3CA1-48B1-AAAE-ED4FF8B556EB}" type="presParOf" srcId="{AF1FD9D5-AAC3-46C1-ADE0-AEC3D6334CD2}" destId="{32AAB3A6-98AD-4721-8B76-ED058B92CA3F}" srcOrd="4" destOrd="0" presId="urn:microsoft.com/office/officeart/2018/5/layout/CenteredIconLabelDescriptionList"/>
   </dgm:cxnLst>
   <dgm:bg/>
   <dgm:whole/>
@@ -1500,8 +1506,8 @@
       </dsp:nvSpPr>
       <dsp:spPr>
         <a:xfrm>
-          <a:off x="1072463" y="242915"/>
-          <a:ext cx="1151718" cy="1151718"/>
+          <a:off x="1076801" y="86928"/>
+          <a:ext cx="1150594" cy="1150594"/>
         </a:xfrm>
         <a:prstGeom prst="rect">
           <a:avLst/>
@@ -1549,8 +1555,8 @@
       </dsp:nvSpPr>
       <dsp:spPr>
         <a:xfrm>
-          <a:off x="3010" y="1531910"/>
-          <a:ext cx="3290624" cy="493593"/>
+          <a:off x="8393" y="1388213"/>
+          <a:ext cx="3287411" cy="493111"/>
         </a:xfrm>
         <a:prstGeom prst="rect">
           <a:avLst/>
@@ -1600,8 +1606,8 @@
         </a:p>
       </dsp:txBody>
       <dsp:txXfrm>
-        <a:off x="3010" y="1531910"/>
-        <a:ext cx="3290624" cy="493593"/>
+        <a:off x="8393" y="1388213"/>
+        <a:ext cx="3287411" cy="493111"/>
       </dsp:txXfrm>
     </dsp:sp>
     <dsp:sp modelId="{5FFBE124-ABE7-4DE1-984E-C9A839FD4089}">
@@ -1611,8 +1617,8 @@
       </dsp:nvSpPr>
       <dsp:spPr>
         <a:xfrm>
-          <a:off x="3010" y="2089353"/>
-          <a:ext cx="3290624" cy="1346034"/>
+          <a:off x="8393" y="1951414"/>
+          <a:ext cx="3287411" cy="1639959"/>
         </a:xfrm>
         <a:prstGeom prst="rect">
           <a:avLst/>
@@ -1654,20 +1660,24 @@
             <a:buNone/>
           </a:pPr>
           <a:r>
-            <a:rPr lang="it-IT" sz="1700" kern="1200" dirty="0" err="1"/>
-            <a:t>MentOS</a:t>
+            <a:rPr lang="it-IT" sz="1700" kern="1200" dirty="0"/>
+            <a:t>MentOS: </a:t>
           </a:r>
           <a:r>
-            <a:rPr lang="it-IT" sz="1700" kern="1200" dirty="0"/>
-            <a:t>: </a:t>
+            <a:rPr lang="it-IT" sz="1700" u="sng" kern="1200" dirty="0">
+              <a:latin typeface="Calibri"/>
+              <a:cs typeface="Calibri"/>
+              <a:hlinkClick xmlns:r="http://schemas.openxmlformats.org/officeDocument/2006/relationships" r:id=""/>
+            </a:rPr>
+            <a:t>https://mentos-team.github.io/doc/doxygen/index.html</a:t>
           </a:r>
-          <a:r>
-            <a:rPr lang="it-IT" sz="1700" kern="1200" dirty="0">
-              <a:hlinkClick xmlns:r="http://schemas.openxmlformats.org/officeDocument/2006/relationships" r:id="rId3"/>
-            </a:rPr>
-            <a:t>https://mentos-team.github.io/</a:t>
-          </a:r>
-          <a:endParaRPr lang="en-US" sz="1700" kern="1200" dirty="0"/>
+          <a:endParaRPr lang="it-IT" sz="1700" kern="1200" dirty="0">
+            <a:solidFill>
+              <a:srgbClr val="000000"/>
+            </a:solidFill>
+            <a:latin typeface="Calibri"/>
+            <a:cs typeface="Calibri"/>
+          </a:endParaRPr>
         </a:p>
         <a:p>
           <a:pPr marL="0" lvl="0" indent="0" algn="ctr" defTabSz="755650">
@@ -1698,8 +1708,8 @@
         </a:p>
       </dsp:txBody>
       <dsp:txXfrm>
-        <a:off x="3010" y="2089353"/>
-        <a:ext cx="3290624" cy="1346034"/>
+        <a:off x="8393" y="1951414"/>
+        <a:ext cx="3287411" cy="1639959"/>
       </dsp:txXfrm>
     </dsp:sp>
     <dsp:sp modelId="{D056E12C-C0C6-43A5-B70D-6F013F07B5A2}">
@@ -1709,20 +1719,20 @@
       </dsp:nvSpPr>
       <dsp:spPr>
         <a:xfrm>
-          <a:off x="4938948" y="242915"/>
-          <a:ext cx="1151718" cy="1151718"/>
+          <a:off x="4939510" y="86928"/>
+          <a:ext cx="1150594" cy="1150594"/>
         </a:xfrm>
         <a:prstGeom prst="rect">
           <a:avLst/>
         </a:prstGeom>
         <a:blipFill>
-          <a:blip xmlns:r="http://schemas.openxmlformats.org/officeDocument/2006/relationships" r:embed="rId4">
+          <a:blip xmlns:r="http://schemas.openxmlformats.org/officeDocument/2006/relationships" r:embed="rId3">
             <a:extLst>
               <a:ext uri="{28A0092B-C50C-407E-A947-70E740481C1C}">
                 <a14:useLocalDpi xmlns:a14="http://schemas.microsoft.com/office/drawing/2010/main" val="0"/>
               </a:ext>
               <a:ext uri="{96DAC541-7B7A-43D3-8B79-37D633B846F1}">
-                <asvg:svgBlip xmlns:asvg="http://schemas.microsoft.com/office/drawing/2016/SVG/main" r:embed="rId5"/>
+                <asvg:svgBlip xmlns:asvg="http://schemas.microsoft.com/office/drawing/2016/SVG/main" r:embed="rId4"/>
               </a:ext>
             </a:extLst>
           </a:blip>
@@ -1758,8 +1768,8 @@
       </dsp:nvSpPr>
       <dsp:spPr>
         <a:xfrm>
-          <a:off x="3869495" y="1531910"/>
-          <a:ext cx="3290624" cy="493593"/>
+          <a:off x="3871101" y="1388213"/>
+          <a:ext cx="3287411" cy="493111"/>
         </a:xfrm>
         <a:prstGeom prst="rect">
           <a:avLst/>
@@ -1815,8 +1825,8 @@
         </a:p>
       </dsp:txBody>
       <dsp:txXfrm>
-        <a:off x="3869495" y="1531910"/>
-        <a:ext cx="3290624" cy="493593"/>
+        <a:off x="3871101" y="1388213"/>
+        <a:ext cx="3287411" cy="493111"/>
       </dsp:txXfrm>
     </dsp:sp>
     <dsp:sp modelId="{420765C4-FDE2-4FC0-84F0-F871DDBF974B}">
@@ -1826,8 +1836,8 @@
       </dsp:nvSpPr>
       <dsp:spPr>
         <a:xfrm>
-          <a:off x="3869495" y="2089353"/>
-          <a:ext cx="3290624" cy="1346034"/>
+          <a:off x="3871101" y="1951414"/>
+          <a:ext cx="3287411" cy="1639959"/>
         </a:xfrm>
         <a:prstGeom prst="rect">
           <a:avLst/>
@@ -1877,15 +1887,17 @@
             <a:t> of the </a:t>
           </a:r>
           <a:r>
-            <a:rPr lang="it-IT" sz="1700" kern="1200" dirty="0" err="1"/>
-            <a:t>above</a:t>
+            <a:rPr lang="it-IT" sz="1700" kern="1200" dirty="0">
+              <a:latin typeface="Gill Sans MT" panose="020B0502020104020203"/>
+            </a:rPr>
+            <a:t>previous</a:t>
           </a:r>
           <a:endParaRPr lang="en-US" sz="1700" kern="1200" dirty="0" err="1"/>
         </a:p>
       </dsp:txBody>
       <dsp:txXfrm>
-        <a:off x="3869495" y="2089353"/>
-        <a:ext cx="3290624" cy="1346034"/>
+        <a:off x="3871101" y="1951414"/>
+        <a:ext cx="3287411" cy="1639959"/>
       </dsp:txXfrm>
     </dsp:sp>
     <dsp:sp modelId="{5CD93740-B453-4613-BA78-AAA1E9F828BE}">
@@ -1895,20 +1907,20 @@
       </dsp:nvSpPr>
       <dsp:spPr>
         <a:xfrm>
-          <a:off x="8805432" y="242915"/>
-          <a:ext cx="1151718" cy="1151718"/>
+          <a:off x="8802218" y="86928"/>
+          <a:ext cx="1150594" cy="1150594"/>
         </a:xfrm>
         <a:prstGeom prst="rect">
           <a:avLst/>
         </a:prstGeom>
         <a:blipFill>
-          <a:blip xmlns:r="http://schemas.openxmlformats.org/officeDocument/2006/relationships" r:embed="rId6">
+          <a:blip xmlns:r="http://schemas.openxmlformats.org/officeDocument/2006/relationships" r:embed="rId5">
             <a:extLst>
               <a:ext uri="{28A0092B-C50C-407E-A947-70E740481C1C}">
                 <a14:useLocalDpi xmlns:a14="http://schemas.microsoft.com/office/drawing/2010/main" val="0"/>
               </a:ext>
               <a:ext uri="{96DAC541-7B7A-43D3-8B79-37D633B846F1}">
-                <asvg:svgBlip xmlns:asvg="http://schemas.microsoft.com/office/drawing/2016/SVG/main" r:embed="rId7"/>
+                <asvg:svgBlip xmlns:asvg="http://schemas.microsoft.com/office/drawing/2016/SVG/main" r:embed="rId6"/>
               </a:ext>
             </a:extLst>
           </a:blip>
@@ -1944,8 +1956,8 @@
       </dsp:nvSpPr>
       <dsp:spPr>
         <a:xfrm>
-          <a:off x="7735979" y="1531910"/>
-          <a:ext cx="3290624" cy="493593"/>
+          <a:off x="7733810" y="1388213"/>
+          <a:ext cx="3287411" cy="493111"/>
         </a:xfrm>
         <a:prstGeom prst="rect">
           <a:avLst/>
@@ -2011,8 +2023,8 @@
         </a:p>
       </dsp:txBody>
       <dsp:txXfrm>
-        <a:off x="7735979" y="1531910"/>
-        <a:ext cx="3290624" cy="493593"/>
+        <a:off x="7733810" y="1388213"/>
+        <a:ext cx="3287411" cy="493111"/>
       </dsp:txXfrm>
     </dsp:sp>
     <dsp:sp modelId="{32AAB3A6-98AD-4721-8B76-ED058B92CA3F}">
@@ -2022,8 +2034,8 @@
       </dsp:nvSpPr>
       <dsp:spPr>
         <a:xfrm>
-          <a:off x="7735979" y="2089353"/>
-          <a:ext cx="3290624" cy="1346034"/>
+          <a:off x="7733810" y="1951414"/>
+          <a:ext cx="3287411" cy="1639959"/>
         </a:xfrm>
         <a:prstGeom prst="rect">
           <a:avLst/>
@@ -2072,8 +2084,8 @@
         </a:p>
       </dsp:txBody>
       <dsp:txXfrm>
-        <a:off x="7735979" y="2089353"/>
-        <a:ext cx="3290624" cy="1346034"/>
+        <a:off x="7733810" y="1951414"/>
+        <a:ext cx="3287411" cy="1639959"/>
       </dsp:txXfrm>
     </dsp:sp>
   </dsp:spTree>
@@ -3409,7 +3421,7 @@
           <a:p>
             <a:fld id="{52A8C91D-1C30-49A1-B6C0-B2A9BC12C44C}" type="datetimeFigureOut">
               <a:rPr lang="it-IT" smtClean="0"/>
-              <a:t>21/08/2023</a:t>
+              <a:t>25/08/2023</a:t>
             </a:fld>
             <a:endParaRPr lang="it-IT"/>
           </a:p>
@@ -3587,7 +3599,7 @@
           <a:p>
             <a:fld id="{7CFB70B6-FB36-47A1-936C-90CB98895F23}" type="datetimeFigureOut">
               <a:rPr lang="it-IT" noProof="0" smtClean="0"/>
-              <a:t>21/08/2023</a:t>
+              <a:t>25/08/2023</a:t>
             </a:fld>
             <a:endParaRPr lang="it-IT" noProof="0"/>
           </a:p>
@@ -4269,7 +4281,7 @@
             <a:pPr rtl="0"/>
             <a:fld id="{C727F2B9-8114-4B6B-85BA-76583A2D1388}" type="datetime1">
               <a:rPr lang="it-IT" noProof="0" smtClean="0"/>
-              <a:t>21/08/2023</a:t>
+              <a:t>25/08/2023</a:t>
             </a:fld>
             <a:endParaRPr lang="it-IT" noProof="0"/>
           </a:p>
@@ -4529,7 +4541,7 @@
             <a:pPr rtl="0"/>
             <a:fld id="{D3214E4D-5882-47D9-AEA7-C3A4AC446FAB}" type="datetime1">
               <a:rPr lang="it-IT" noProof="0" smtClean="0"/>
-              <a:t>21/08/2023</a:t>
+              <a:t>25/08/2023</a:t>
             </a:fld>
             <a:endParaRPr lang="it-IT" noProof="0"/>
           </a:p>
@@ -4762,7 +4774,7 @@
             <a:pPr rtl="0"/>
             <a:fld id="{7A1EDB13-E447-4C82-BAD2-B06C1ECEEB63}" type="datetime1">
               <a:rPr lang="it-IT" noProof="0" smtClean="0"/>
-              <a:t>21/08/2023</a:t>
+              <a:t>25/08/2023</a:t>
             </a:fld>
             <a:endParaRPr lang="it-IT" noProof="0"/>
           </a:p>
@@ -5086,7 +5098,7 @@
             <a:fld id="{B61BEF0D-F0BB-DE4B-95CE-6DB70DBA9567}" type="datetimeFigureOut">
               <a:rPr lang="en-US" dirty="0"/>
               <a:pPr/>
-              <a:t>8/21/2023</a:t>
+              <a:t>8/25/2023</a:t>
             </a:fld>
             <a:endParaRPr lang="en-US" dirty="0"/>
           </a:p>
@@ -5337,7 +5349,7 @@
             <a:fld id="{B61BEF0D-F0BB-DE4B-95CE-6DB70DBA9567}" type="datetimeFigureOut">
               <a:rPr lang="en-US" dirty="0"/>
               <a:pPr/>
-              <a:t>8/21/2023</a:t>
+              <a:t>8/25/2023</a:t>
             </a:fld>
             <a:endParaRPr lang="en-US" dirty="0"/>
           </a:p>
@@ -5645,7 +5657,7 @@
             <a:fld id="{B61BEF0D-F0BB-DE4B-95CE-6DB70DBA9567}" type="datetimeFigureOut">
               <a:rPr lang="en-US" dirty="0"/>
               <a:pPr/>
-              <a:t>8/21/2023</a:t>
+              <a:t>8/25/2023</a:t>
             </a:fld>
             <a:endParaRPr lang="en-US" dirty="0"/>
           </a:p>
@@ -5946,7 +5958,7 @@
             <a:fld id="{B61BEF0D-F0BB-DE4B-95CE-6DB70DBA9567}" type="datetimeFigureOut">
               <a:rPr lang="en-US" dirty="0"/>
               <a:pPr/>
-              <a:t>8/21/2023</a:t>
+              <a:t>8/25/2023</a:t>
             </a:fld>
             <a:endParaRPr lang="en-US" dirty="0"/>
           </a:p>
@@ -6367,7 +6379,7 @@
             <a:fld id="{B61BEF0D-F0BB-DE4B-95CE-6DB70DBA9567}" type="datetimeFigureOut">
               <a:rPr lang="en-US" dirty="0"/>
               <a:pPr/>
-              <a:t>8/21/2023</a:t>
+              <a:t>8/25/2023</a:t>
             </a:fld>
             <a:endParaRPr lang="en-US" dirty="0"/>
           </a:p>
@@ -6530,7 +6542,7 @@
             <a:fld id="{B61BEF0D-F0BB-DE4B-95CE-6DB70DBA9567}" type="datetimeFigureOut">
               <a:rPr lang="en-US" dirty="0"/>
               <a:pPr/>
-              <a:t>8/21/2023</a:t>
+              <a:t>8/25/2023</a:t>
             </a:fld>
             <a:endParaRPr lang="en-US" dirty="0"/>
           </a:p>
@@ -6627,7 +6639,7 @@
             <a:fld id="{B61BEF0D-F0BB-DE4B-95CE-6DB70DBA9567}" type="datetimeFigureOut">
               <a:rPr lang="en-US" dirty="0"/>
               <a:pPr/>
-              <a:t>8/21/2023</a:t>
+              <a:t>8/25/2023</a:t>
             </a:fld>
             <a:endParaRPr lang="en-US" dirty="0"/>
           </a:p>
@@ -7005,7 +7017,7 @@
             <a:fld id="{B61BEF0D-F0BB-DE4B-95CE-6DB70DBA9567}" type="datetimeFigureOut">
               <a:rPr lang="en-US" dirty="0"/>
               <a:pPr/>
-              <a:t>8/21/2023</a:t>
+              <a:t>8/25/2023</a:t>
             </a:fld>
             <a:endParaRPr lang="en-US" dirty="0"/>
           </a:p>
@@ -7247,7 +7259,7 @@
             <a:pPr rtl="0"/>
             <a:fld id="{F3186E7B-14A6-4061-87D8-42DA3DBF119F}" type="datetime1">
               <a:rPr lang="it-IT" noProof="0" smtClean="0"/>
-              <a:t>21/08/2023</a:t>
+              <a:t>25/08/2023</a:t>
             </a:fld>
             <a:endParaRPr lang="it-IT" noProof="0"/>
           </a:p>
@@ -7513,7 +7525,7 @@
             <a:fld id="{B61BEF0D-F0BB-DE4B-95CE-6DB70DBA9567}" type="datetimeFigureOut">
               <a:rPr lang="en-US" dirty="0"/>
               <a:pPr/>
-              <a:t>8/21/2023</a:t>
+              <a:t>8/25/2023</a:t>
             </a:fld>
             <a:endParaRPr lang="en-US" dirty="0"/>
           </a:p>
@@ -7743,7 +7755,7 @@
             <a:fld id="{B61BEF0D-F0BB-DE4B-95CE-6DB70DBA9567}" type="datetimeFigureOut">
               <a:rPr lang="en-US" dirty="0"/>
               <a:pPr/>
-              <a:t>8/21/2023</a:t>
+              <a:t>8/25/2023</a:t>
             </a:fld>
             <a:endParaRPr lang="en-US" dirty="0"/>
           </a:p>
@@ -7978,7 +7990,7 @@
             <a:fld id="{B61BEF0D-F0BB-DE4B-95CE-6DB70DBA9567}" type="datetimeFigureOut">
               <a:rPr lang="en-US" dirty="0"/>
               <a:pPr/>
-              <a:t>8/21/2023</a:t>
+              <a:t>8/25/2023</a:t>
             </a:fld>
             <a:endParaRPr lang="en-US" dirty="0"/>
           </a:p>
@@ -8303,7 +8315,7 @@
             <a:pPr rtl="0"/>
             <a:fld id="{5D930157-D06C-4916-B18E-C9E669ECF4DF}" type="datetime1">
               <a:rPr lang="it-IT" noProof="0" smtClean="0"/>
-              <a:t>21/08/2023</a:t>
+              <a:t>25/08/2023</a:t>
             </a:fld>
             <a:endParaRPr lang="it-IT" noProof="0"/>
           </a:p>
@@ -8602,7 +8614,7 @@
             <a:pPr rtl="0"/>
             <a:fld id="{08514CB3-5F13-43C9-9F24-9D8E3B88838F}" type="datetime1">
               <a:rPr lang="it-IT" noProof="0" smtClean="0"/>
-              <a:t>21/08/2023</a:t>
+              <a:t>25/08/2023</a:t>
             </a:fld>
             <a:endParaRPr lang="it-IT" noProof="0"/>
           </a:p>
@@ -9021,7 +9033,7 @@
             <a:pPr rtl="0"/>
             <a:fld id="{FB666828-F91D-4732-8770-09F7FE78E519}" type="datetime1">
               <a:rPr lang="it-IT" noProof="0" smtClean="0"/>
-              <a:t>21/08/2023</a:t>
+              <a:t>25/08/2023</a:t>
             </a:fld>
             <a:endParaRPr lang="it-IT" noProof="0"/>
           </a:p>
@@ -9182,7 +9194,7 @@
             <a:pPr rtl="0"/>
             <a:fld id="{45B59AA2-9F1D-436D-B2C6-CF67C9CCAFCE}" type="datetime1">
               <a:rPr lang="it-IT" noProof="0" smtClean="0"/>
-              <a:t>21/08/2023</a:t>
+              <a:t>25/08/2023</a:t>
             </a:fld>
             <a:endParaRPr lang="it-IT" noProof="0"/>
           </a:p>
@@ -9276,7 +9288,7 @@
             <a:pPr rtl="0"/>
             <a:fld id="{99BE2927-8E56-4BCC-93A3-3CCAEA6BFA00}" type="datetime1">
               <a:rPr lang="it-IT" noProof="0" smtClean="0"/>
-              <a:t>21/08/2023</a:t>
+              <a:t>25/08/2023</a:t>
             </a:fld>
             <a:endParaRPr lang="it-IT" noProof="0"/>
           </a:p>
@@ -9652,7 +9664,7 @@
             <a:pPr rtl="0"/>
             <a:fld id="{55F17DF6-722C-44A4-A80B-07059552D6AC}" type="datetime1">
               <a:rPr lang="it-IT" noProof="0" smtClean="0"/>
-              <a:t>21/08/2023</a:t>
+              <a:t>25/08/2023</a:t>
             </a:fld>
             <a:endParaRPr lang="it-IT" noProof="0"/>
           </a:p>
@@ -9940,7 +9952,7 @@
             <a:pPr rtl="0"/>
             <a:fld id="{D0CB8368-7D79-4FF1-A68E-F7B534AD6D35}" type="datetime1">
               <a:rPr lang="it-IT" noProof="0" smtClean="0"/>
-              <a:t>21/08/2023</a:t>
+              <a:t>25/08/2023</a:t>
             </a:fld>
             <a:endParaRPr lang="it-IT" noProof="0"/>
           </a:p>
@@ -10149,7 +10161,7 @@
             <a:pPr rtl="0"/>
             <a:fld id="{993F353F-822D-4FCE-A68F-13AE984A7B8A}" type="datetime1">
               <a:rPr lang="it-IT" noProof="0" smtClean="0"/>
-              <a:t>21/08/2023</a:t>
+              <a:t>25/08/2023</a:t>
             </a:fld>
             <a:endParaRPr lang="it-IT" noProof="0"/>
           </a:p>
@@ -10909,7 +10921,7 @@
             <a:fld id="{B61BEF0D-F0BB-DE4B-95CE-6DB70DBA9567}" type="datetimeFigureOut">
               <a:rPr lang="en-US" dirty="0"/>
               <a:pPr/>
-              <a:t>8/21/2023</a:t>
+              <a:t>8/25/2023</a:t>
             </a:fld>
             <a:endParaRPr lang="en-US" dirty="0"/>
           </a:p>

--- a/MentOS - Implementazione Buddy System.pptx
+++ b/MentOS - Implementazione Buddy System.pptx
@@ -980,7 +980,7 @@
             <a:rPr lang="it-IT" u="sng" dirty="0">
               <a:latin typeface="Calibri"/>
               <a:cs typeface="Calibri"/>
-              <a:hlinkClick xmlns:r="http://schemas.openxmlformats.org/officeDocument/2006/relationships" r:id=""/>
+              <a:hlinkClick xmlns:r="http://schemas.openxmlformats.org/officeDocument/2006/relationships" r:id="" action="ppaction://noaction"/>
             </a:rPr>
             <a:t>https://mentos-team.github.io/doc/doxygen/index.html</a:t>
           </a:r>
@@ -3421,7 +3421,7 @@
           <a:p>
             <a:fld id="{52A8C91D-1C30-49A1-B6C0-B2A9BC12C44C}" type="datetimeFigureOut">
               <a:rPr lang="it-IT" smtClean="0"/>
-              <a:t>25/08/2023</a:t>
+              <a:t>29/08/2023</a:t>
             </a:fld>
             <a:endParaRPr lang="it-IT"/>
           </a:p>
@@ -3599,7 +3599,7 @@
           <a:p>
             <a:fld id="{7CFB70B6-FB36-47A1-936C-90CB98895F23}" type="datetimeFigureOut">
               <a:rPr lang="it-IT" noProof="0" smtClean="0"/>
-              <a:t>25/08/2023</a:t>
+              <a:t>29/08/2023</a:t>
             </a:fld>
             <a:endParaRPr lang="it-IT" noProof="0"/>
           </a:p>
@@ -4281,7 +4281,7 @@
             <a:pPr rtl="0"/>
             <a:fld id="{C727F2B9-8114-4B6B-85BA-76583A2D1388}" type="datetime1">
               <a:rPr lang="it-IT" noProof="0" smtClean="0"/>
-              <a:t>25/08/2023</a:t>
+              <a:t>29/08/2023</a:t>
             </a:fld>
             <a:endParaRPr lang="it-IT" noProof="0"/>
           </a:p>
@@ -4541,7 +4541,7 @@
             <a:pPr rtl="0"/>
             <a:fld id="{D3214E4D-5882-47D9-AEA7-C3A4AC446FAB}" type="datetime1">
               <a:rPr lang="it-IT" noProof="0" smtClean="0"/>
-              <a:t>25/08/2023</a:t>
+              <a:t>29/08/2023</a:t>
             </a:fld>
             <a:endParaRPr lang="it-IT" noProof="0"/>
           </a:p>
@@ -4774,7 +4774,7 @@
             <a:pPr rtl="0"/>
             <a:fld id="{7A1EDB13-E447-4C82-BAD2-B06C1ECEEB63}" type="datetime1">
               <a:rPr lang="it-IT" noProof="0" smtClean="0"/>
-              <a:t>25/08/2023</a:t>
+              <a:t>29/08/2023</a:t>
             </a:fld>
             <a:endParaRPr lang="it-IT" noProof="0"/>
           </a:p>
@@ -5098,7 +5098,7 @@
             <a:fld id="{B61BEF0D-F0BB-DE4B-95CE-6DB70DBA9567}" type="datetimeFigureOut">
               <a:rPr lang="en-US" dirty="0"/>
               <a:pPr/>
-              <a:t>8/25/2023</a:t>
+              <a:t>8/29/2023</a:t>
             </a:fld>
             <a:endParaRPr lang="en-US" dirty="0"/>
           </a:p>
@@ -5349,7 +5349,7 @@
             <a:fld id="{B61BEF0D-F0BB-DE4B-95CE-6DB70DBA9567}" type="datetimeFigureOut">
               <a:rPr lang="en-US" dirty="0"/>
               <a:pPr/>
-              <a:t>8/25/2023</a:t>
+              <a:t>8/29/2023</a:t>
             </a:fld>
             <a:endParaRPr lang="en-US" dirty="0"/>
           </a:p>
@@ -5657,7 +5657,7 @@
             <a:fld id="{B61BEF0D-F0BB-DE4B-95CE-6DB70DBA9567}" type="datetimeFigureOut">
               <a:rPr lang="en-US" dirty="0"/>
               <a:pPr/>
-              <a:t>8/25/2023</a:t>
+              <a:t>8/29/2023</a:t>
             </a:fld>
             <a:endParaRPr lang="en-US" dirty="0"/>
           </a:p>
@@ -5958,7 +5958,7 @@
             <a:fld id="{B61BEF0D-F0BB-DE4B-95CE-6DB70DBA9567}" type="datetimeFigureOut">
               <a:rPr lang="en-US" dirty="0"/>
               <a:pPr/>
-              <a:t>8/25/2023</a:t>
+              <a:t>8/29/2023</a:t>
             </a:fld>
             <a:endParaRPr lang="en-US" dirty="0"/>
           </a:p>
@@ -6379,7 +6379,7 @@
             <a:fld id="{B61BEF0D-F0BB-DE4B-95CE-6DB70DBA9567}" type="datetimeFigureOut">
               <a:rPr lang="en-US" dirty="0"/>
               <a:pPr/>
-              <a:t>8/25/2023</a:t>
+              <a:t>8/29/2023</a:t>
             </a:fld>
             <a:endParaRPr lang="en-US" dirty="0"/>
           </a:p>
@@ -6542,7 +6542,7 @@
             <a:fld id="{B61BEF0D-F0BB-DE4B-95CE-6DB70DBA9567}" type="datetimeFigureOut">
               <a:rPr lang="en-US" dirty="0"/>
               <a:pPr/>
-              <a:t>8/25/2023</a:t>
+              <a:t>8/29/2023</a:t>
             </a:fld>
             <a:endParaRPr lang="en-US" dirty="0"/>
           </a:p>
@@ -6639,7 +6639,7 @@
             <a:fld id="{B61BEF0D-F0BB-DE4B-95CE-6DB70DBA9567}" type="datetimeFigureOut">
               <a:rPr lang="en-US" dirty="0"/>
               <a:pPr/>
-              <a:t>8/25/2023</a:t>
+              <a:t>8/29/2023</a:t>
             </a:fld>
             <a:endParaRPr lang="en-US" dirty="0"/>
           </a:p>
@@ -7017,7 +7017,7 @@
             <a:fld id="{B61BEF0D-F0BB-DE4B-95CE-6DB70DBA9567}" type="datetimeFigureOut">
               <a:rPr lang="en-US" dirty="0"/>
               <a:pPr/>
-              <a:t>8/25/2023</a:t>
+              <a:t>8/29/2023</a:t>
             </a:fld>
             <a:endParaRPr lang="en-US" dirty="0"/>
           </a:p>
@@ -7259,7 +7259,7 @@
             <a:pPr rtl="0"/>
             <a:fld id="{F3186E7B-14A6-4061-87D8-42DA3DBF119F}" type="datetime1">
               <a:rPr lang="it-IT" noProof="0" smtClean="0"/>
-              <a:t>25/08/2023</a:t>
+              <a:t>29/08/2023</a:t>
             </a:fld>
             <a:endParaRPr lang="it-IT" noProof="0"/>
           </a:p>
@@ -7525,7 +7525,7 @@
             <a:fld id="{B61BEF0D-F0BB-DE4B-95CE-6DB70DBA9567}" type="datetimeFigureOut">
               <a:rPr lang="en-US" dirty="0"/>
               <a:pPr/>
-              <a:t>8/25/2023</a:t>
+              <a:t>8/29/2023</a:t>
             </a:fld>
             <a:endParaRPr lang="en-US" dirty="0"/>
           </a:p>
@@ -7755,7 +7755,7 @@
             <a:fld id="{B61BEF0D-F0BB-DE4B-95CE-6DB70DBA9567}" type="datetimeFigureOut">
               <a:rPr lang="en-US" dirty="0"/>
               <a:pPr/>
-              <a:t>8/25/2023</a:t>
+              <a:t>8/29/2023</a:t>
             </a:fld>
             <a:endParaRPr lang="en-US" dirty="0"/>
           </a:p>
@@ -7990,7 +7990,7 @@
             <a:fld id="{B61BEF0D-F0BB-DE4B-95CE-6DB70DBA9567}" type="datetimeFigureOut">
               <a:rPr lang="en-US" dirty="0"/>
               <a:pPr/>
-              <a:t>8/25/2023</a:t>
+              <a:t>8/29/2023</a:t>
             </a:fld>
             <a:endParaRPr lang="en-US" dirty="0"/>
           </a:p>
@@ -8315,7 +8315,7 @@
             <a:pPr rtl="0"/>
             <a:fld id="{5D930157-D06C-4916-B18E-C9E669ECF4DF}" type="datetime1">
               <a:rPr lang="it-IT" noProof="0" smtClean="0"/>
-              <a:t>25/08/2023</a:t>
+              <a:t>29/08/2023</a:t>
             </a:fld>
             <a:endParaRPr lang="it-IT" noProof="0"/>
           </a:p>
@@ -8614,7 +8614,7 @@
             <a:pPr rtl="0"/>
             <a:fld id="{08514CB3-5F13-43C9-9F24-9D8E3B88838F}" type="datetime1">
               <a:rPr lang="it-IT" noProof="0" smtClean="0"/>
-              <a:t>25/08/2023</a:t>
+              <a:t>29/08/2023</a:t>
             </a:fld>
             <a:endParaRPr lang="it-IT" noProof="0"/>
           </a:p>
@@ -9033,7 +9033,7 @@
             <a:pPr rtl="0"/>
             <a:fld id="{FB666828-F91D-4732-8770-09F7FE78E519}" type="datetime1">
               <a:rPr lang="it-IT" noProof="0" smtClean="0"/>
-              <a:t>25/08/2023</a:t>
+              <a:t>29/08/2023</a:t>
             </a:fld>
             <a:endParaRPr lang="it-IT" noProof="0"/>
           </a:p>
@@ -9194,7 +9194,7 @@
             <a:pPr rtl="0"/>
             <a:fld id="{45B59AA2-9F1D-436D-B2C6-CF67C9CCAFCE}" type="datetime1">
               <a:rPr lang="it-IT" noProof="0" smtClean="0"/>
-              <a:t>25/08/2023</a:t>
+              <a:t>29/08/2023</a:t>
             </a:fld>
             <a:endParaRPr lang="it-IT" noProof="0"/>
           </a:p>
@@ -9288,7 +9288,7 @@
             <a:pPr rtl="0"/>
             <a:fld id="{99BE2927-8E56-4BCC-93A3-3CCAEA6BFA00}" type="datetime1">
               <a:rPr lang="it-IT" noProof="0" smtClean="0"/>
-              <a:t>25/08/2023</a:t>
+              <a:t>29/08/2023</a:t>
             </a:fld>
             <a:endParaRPr lang="it-IT" noProof="0"/>
           </a:p>
@@ -9664,7 +9664,7 @@
             <a:pPr rtl="0"/>
             <a:fld id="{55F17DF6-722C-44A4-A80B-07059552D6AC}" type="datetime1">
               <a:rPr lang="it-IT" noProof="0" smtClean="0"/>
-              <a:t>25/08/2023</a:t>
+              <a:t>29/08/2023</a:t>
             </a:fld>
             <a:endParaRPr lang="it-IT" noProof="0"/>
           </a:p>
@@ -9952,7 +9952,7 @@
             <a:pPr rtl="0"/>
             <a:fld id="{D0CB8368-7D79-4FF1-A68E-F7B534AD6D35}" type="datetime1">
               <a:rPr lang="it-IT" noProof="0" smtClean="0"/>
-              <a:t>25/08/2023</a:t>
+              <a:t>29/08/2023</a:t>
             </a:fld>
             <a:endParaRPr lang="it-IT" noProof="0"/>
           </a:p>
@@ -10161,7 +10161,7 @@
             <a:pPr rtl="0"/>
             <a:fld id="{993F353F-822D-4FCE-A68F-13AE984A7B8A}" type="datetime1">
               <a:rPr lang="it-IT" noProof="0" smtClean="0"/>
-              <a:t>25/08/2023</a:t>
+              <a:t>29/08/2023</a:t>
             </a:fld>
             <a:endParaRPr lang="it-IT" noProof="0"/>
           </a:p>
@@ -10921,7 +10921,7 @@
             <a:fld id="{B61BEF0D-F0BB-DE4B-95CE-6DB70DBA9567}" type="datetimeFigureOut">
               <a:rPr lang="en-US" dirty="0"/>
               <a:pPr/>
-              <a:t>8/25/2023</a:t>
+              <a:t>8/29/2023</a:t>
             </a:fld>
             <a:endParaRPr lang="en-US" dirty="0"/>
           </a:p>
@@ -11590,7 +11590,7 @@
           <a:lstStyle/>
           <a:p>
             <a:pPr algn="ctr"/>
-            <a:endParaRPr lang="en-US"/>
+            <a:endParaRPr lang="en-US" dirty="0"/>
           </a:p>
         </p:txBody>
       </p:sp>
@@ -11651,7 +11651,7 @@
               </a:rPr>
             </a:br>
             <a:r>
-              <a:rPr lang="it-IT" sz="4400" err="1">
+              <a:rPr lang="it-IT" sz="4400" dirty="0" err="1">
                 <a:solidFill>
                   <a:schemeClr val="bg1"/>
                 </a:solidFill>
@@ -11747,7 +11747,7 @@
               </a:rPr>
             </a:br>
             <a:r>
-              <a:rPr lang="it-IT" sz="4400" err="1">
+              <a:rPr lang="it-IT" sz="4400" dirty="0" err="1">
                 <a:solidFill>
                   <a:schemeClr val="bg1"/>
                 </a:solidFill>
@@ -11843,7 +11843,7 @@
               </a:rPr>
             </a:br>
             <a:r>
-              <a:rPr lang="it-IT" sz="6000" err="1">
+              <a:rPr lang="it-IT" sz="6000" dirty="0" err="1">
                 <a:solidFill>
                   <a:schemeClr val="bg1"/>
                 </a:solidFill>
@@ -11853,7 +11853,7 @@
               <a:t>M</a:t>
             </a:r>
             <a:r>
-              <a:rPr lang="it-IT" sz="4800" err="1">
+              <a:rPr lang="it-IT" sz="4800" dirty="0" err="1">
                 <a:solidFill>
                   <a:schemeClr val="bg1"/>
                 </a:solidFill>
@@ -11863,7 +11863,7 @@
               <a:t>ent</a:t>
             </a:r>
             <a:r>
-              <a:rPr lang="it-IT" sz="6000" err="1">
+              <a:rPr lang="it-IT" sz="6000" dirty="0" err="1">
                 <a:solidFill>
                   <a:schemeClr val="bg1"/>
                 </a:solidFill>
@@ -11872,7 +11872,7 @@
               </a:rPr>
               <a:t>os</a:t>
             </a:r>
-            <a:endParaRPr lang="it-IT" sz="6000" err="1">
+            <a:endParaRPr lang="it-IT" sz="6000" dirty="0">
               <a:solidFill>
                 <a:schemeClr val="bg1"/>
               </a:solidFill>
@@ -11884,7 +11884,7 @@
                 <a:spcPct val="90000"/>
               </a:lnSpc>
             </a:pPr>
-            <a:endParaRPr lang="it-IT" sz="5600">
+            <a:endParaRPr lang="it-IT" sz="5600" dirty="0">
               <a:solidFill>
                 <a:schemeClr val="tx2"/>
               </a:solidFill>
@@ -11945,6 +11945,13 @@
             <a:schemeClr val="lt1"/>
           </a:fontRef>
         </p:style>
+        <p:txBody>
+          <a:bodyPr/>
+          <a:lstStyle/>
+          <a:p>
+            <a:endParaRPr lang="it-IT"/>
+          </a:p>
+        </p:txBody>
       </p:sp>
       <p:sp>
         <p:nvSpPr>
@@ -12578,7 +12585,7 @@
             </a:pPr>
             <a:r>
               <a:rPr lang="it-IT" sz="2400" dirty="0"/>
-              <a:t>Al suo interno tiene traccia dell'ordine del blocco a cui appartiene la pagina</a:t>
+              <a:t>Al suo interno tiene traccia dell'ordine del blocco a cui appartiene la pagina.</a:t>
             </a:r>
           </a:p>
           <a:p>
@@ -12604,8 +12611,13 @@
             </a:r>
             <a:r>
               <a:rPr lang="it-IT" sz="2400" b="1" dirty="0"/>
-              <a:t>pagina root </a:t>
-            </a:r>
+              <a:t>pagina root</a:t>
+            </a:r>
+            <a:r>
+              <a:rPr lang="it-IT" sz="2400" dirty="0"/>
+              <a:t>.</a:t>
+            </a:r>
+            <a:endParaRPr lang="it-IT" sz="2400" b="1" dirty="0"/>
           </a:p>
         </p:txBody>
       </p:sp>
@@ -13175,14 +13187,14 @@
             <a:pPr marL="305435" indent="-305435"/>
             <a:r>
               <a:rPr lang="it-IT" sz="2400" dirty="0"/>
-              <a:t>Struttura dati utilizzata per rappresentare una delle liste di blocchi liberi</a:t>
+              <a:t>Struttura dati utilizzata per rappresentare una delle liste di blocchi liberi.</a:t>
             </a:r>
           </a:p>
           <a:p>
             <a:pPr marL="305435" indent="-305435"/>
             <a:r>
               <a:rPr lang="it-IT" sz="2400" dirty="0"/>
-              <a:t>Tiene traccia del numero di blocchi di frame liberi disponibili (non del numero totale di frame)</a:t>
+              <a:t>Tiene traccia del numero di blocchi di frame liberi disponibili (non del numero totale di frame).</a:t>
             </a:r>
           </a:p>
         </p:txBody>
@@ -13799,7 +13811,11 @@
               <a:rPr lang="it-IT" sz="2400" dirty="0" err="1"/>
               <a:t>MentOS</a:t>
             </a:r>
-            <a:endParaRPr lang="it-IT" dirty="0" err="1"/>
+            <a:r>
+              <a:rPr lang="it-IT" sz="2400" dirty="0"/>
+              <a:t>.</a:t>
+            </a:r>
+            <a:endParaRPr lang="it-IT" dirty="0"/>
           </a:p>
           <a:p>
             <a:pPr marL="305435" indent="-305435"/>
@@ -13832,7 +13848,7 @@
             <a:pPr marL="305435" indent="-305435"/>
             <a:r>
               <a:rPr lang="it-IT" sz="2400" dirty="0"/>
-              <a:t>Tra le varie informazioni di cui tiene traccia, sono particolarmente importanti per l'implementazione effettuata l'indirizzo della prima pagina gestita e la dimensione della struttura rappresentante le pagine</a:t>
+              <a:t>Tra le varie informazioni di cui tiene traccia, sono particolarmente importanti per l'implementazione effettuata l'indirizzo della prima pagina gestita e la dimensione della struttura rappresentante le pagine.</a:t>
             </a:r>
           </a:p>
         </p:txBody>
@@ -14167,7 +14183,7 @@
             </a:r>
             <a:r>
               <a:rPr lang="it-IT" sz="2200" dirty="0"/>
-              <a:t> system e l'ordine del blocco di pagine che vogliamo ottenere. Restituisce la prima pagina del blocco</a:t>
+              <a:t> system e l'ordine del blocco di pagine che vogliamo ottenere. Restituisce la prima pagina del blocco.</a:t>
             </a:r>
           </a:p>
           <a:p>
@@ -14206,7 +14222,7 @@
             </a:r>
             <a:r>
               <a:rPr lang="it-IT" sz="2200" dirty="0"/>
-              <a:t> dell'istanza</a:t>
+              <a:t> dell'istanza.</a:t>
             </a:r>
           </a:p>
         </p:txBody>
@@ -14450,7 +14466,7 @@
             </a:r>
             <a:r>
               <a:rPr lang="it-IT" sz="2200" dirty="0"/>
-              <a:t>per mantenere il codice il più simile possibile all'algoritmo illustrato precedentemente. Sarebbe stato possibile ottenere il medesimo funzionamento con l'uso di una variabile di controllo e una modifica nella condizione di ciclo</a:t>
+              <a:t>per mantenere il codice il più simile possibile all'algoritmo illustrato precedentemente. Sarebbe stato possibile ottenere il medesimo funzionamento con l'uso di una variabile di controllo e una modifica nella condizione di ciclo.</a:t>
             </a:r>
             <a:endParaRPr lang="it-IT" sz="2200" b="1" dirty="0"/>
           </a:p>
@@ -14773,15 +14789,7 @@
             </a:r>
             <a:r>
               <a:rPr lang="it-IT" sz="2000" dirty="0"/>
-              <a:t>(che in realtà è una #define </a:t>
-            </a:r>
-            <a:r>
-              <a:rPr lang="it-IT" sz="2000" u="sng" dirty="0"/>
-              <a:t>usato</a:t>
-            </a:r>
-            <a:r>
-              <a:rPr lang="it-IT" sz="2000" dirty="0"/>
-              <a:t> come alias per una </a:t>
+              <a:t>(che in realtà è una #define usata come alias per una </a:t>
             </a:r>
             <a:r>
               <a:rPr lang="it-IT" sz="2000" i="1" dirty="0" err="1"/>
@@ -14805,7 +14813,7 @@
             </a:r>
             <a:r>
               <a:rPr lang="it-IT" sz="2000" dirty="0"/>
-              <a:t>e si decrementa il numero di blocchi liberi per l'area</a:t>
+              <a:t>e si decrementa il numero di blocchi liberi per l'area.</a:t>
             </a:r>
           </a:p>
           <a:p>
@@ -14815,12 +14823,12 @@
               <a:t>L'</a:t>
             </a:r>
             <a:r>
-              <a:rPr lang="it-IT" sz="2000" err="1"/>
+              <a:rPr lang="it-IT" sz="2000" dirty="0" err="1"/>
               <a:t>assert</a:t>
             </a:r>
             <a:r>
               <a:rPr lang="it-IT" sz="2000" dirty="0"/>
-              <a:t> serva a verificare che la pagina trovata sia effettivamente valida (libera e root page, cioè la prima di un blocco)</a:t>
+              <a:t> serva a verificare che la pagina trovata sia effettivamente valida (libera e root page, cioè la prima di un blocco).</a:t>
             </a:r>
           </a:p>
         </p:txBody>
@@ -15076,7 +15084,7 @@
             </a:r>
             <a:r>
               <a:rPr lang="it-IT" sz="2200" dirty="0"/>
-              <a:t>) andiamo a calcolare la dimensione attuale del blocco</a:t>
+              <a:t>) andiamo a calcolare la dimensione attuale del blocco.</a:t>
             </a:r>
           </a:p>
           <a:p>
@@ -15429,7 +15437,7 @@
             </a:r>
             <a:r>
               <a:rPr lang="it-IT" sz="1800" i="1" dirty="0"/>
-              <a:t>size</a:t>
+              <a:t>size;</a:t>
             </a:r>
             <a:endParaRPr lang="en-US" sz="1800" dirty="0"/>
           </a:p>
@@ -15454,7 +15462,7 @@
               <a:t>__</a:t>
             </a:r>
             <a:r>
-              <a:rPr lang="it-IT" sz="1800" i="1" err="1"/>
+              <a:rPr lang="it-IT" sz="1800" i="1" dirty="0" err="1"/>
               <a:t>get_page_from_base</a:t>
             </a:r>
             <a:r>
@@ -15462,14 +15470,14 @@
               <a:t> e verifichiamo sia un </a:t>
             </a:r>
             <a:r>
-              <a:rPr lang="it-IT" sz="1800" err="1"/>
+              <a:rPr lang="it-IT" sz="1800" dirty="0" err="1"/>
               <a:t>buddy</a:t>
             </a:r>
             <a:r>
               <a:rPr lang="it-IT" sz="1800" dirty="0"/>
-              <a:t> valido, cioè libero e non ancora root.</a:t>
-            </a:r>
-            <a:endParaRPr lang="en-US" sz="1800"/>
+              <a:t> valido, cioè libero e non ancora root;</a:t>
+            </a:r>
+            <a:endParaRPr lang="en-US" sz="1800" dirty="0"/>
           </a:p>
           <a:p>
             <a:pPr marL="781685" lvl="1" indent="-457200">
@@ -15485,7 +15493,7 @@
             </a:r>
             <a:r>
               <a:rPr lang="it-IT" sz="1800" dirty="0"/>
-              <a:t> trovato, lo marchiamo come root page e lo inseriamo nella free list dell'area, ricordandoci di aumentare il numero di blocchi disponibili per quell'area</a:t>
+              <a:t> trovato, lo marchiamo come root page e lo inseriamo nella free list dell'area, ricordandoci di aumentare il numero di blocchi disponibili per quell'area.</a:t>
             </a:r>
           </a:p>
           <a:p>
@@ -15725,7 +15733,7 @@
             <a:pPr marL="305435" indent="-305435"/>
             <a:r>
               <a:rPr lang="it-IT" sz="2200" dirty="0"/>
-              <a:t>Dopo aver ridotto il blocco alla minima dimensione possibile, aggiorniamo l'ordine della sua prima pagina e la restituiamo</a:t>
+              <a:t>Dopo aver ridotto il blocco alla minima dimensione possibile, aggiorniamo l'ordine della sua prima pagina e la restituiamo.</a:t>
             </a:r>
           </a:p>
         </p:txBody>
@@ -16422,7 +16430,7 @@
             </a:pPr>
             <a:r>
               <a:rPr lang="it-IT" sz="1800" dirty="0"/>
-              <a:t>Recuperiamo l'area dell'ordine attuale e la pagina situata all'indirizzo trovato</a:t>
+              <a:t>Recuperiamo l'area dell'ordine attuale e la pagina situata all'indirizzo trovato;</a:t>
             </a:r>
           </a:p>
           <a:p>
@@ -16447,7 +16455,7 @@
             </a:r>
             <a:r>
               <a:rPr lang="it-IT" sz="1800" dirty="0"/>
-              <a:t> sia valido, cioè che abbia lo stesso ordine e sia libero. In caso contrario, usciamo dal ciclo</a:t>
+              <a:t> sia valido, cioè che abbia lo stesso ordine e sia libero. In caso contrario, usciamo dal ciclo;</a:t>
             </a:r>
           </a:p>
           <a:p>
@@ -16472,7 +16480,7 @@
             </a:r>
             <a:r>
               <a:rPr lang="it-IT" sz="1800" dirty="0"/>
-              <a:t> dell'area, decrementando inoltre il contatore di blocchi liberi della stessa</a:t>
+              <a:t> dell'area, decrementando inoltre il contatore di blocchi liberi della stessa;</a:t>
             </a:r>
           </a:p>
           <a:p>
@@ -16489,7 +16497,7 @@
             </a:r>
             <a:r>
               <a:rPr lang="it-IT" sz="1800" dirty="0"/>
-              <a:t> sia della page (in alternativa si può vedere quale dei due diverrà la prima pagina del blocco unito e azzerare solo l'altro)</a:t>
+              <a:t> sia della page (in alternativa si può vedere quale dei due diverrà la prima pagina del blocco unito e azzerare solo l'altro);</a:t>
             </a:r>
           </a:p>
           <a:p>
@@ -16498,7 +16506,7 @@
             </a:pPr>
             <a:r>
               <a:rPr lang="it-IT" sz="1800" dirty="0"/>
-              <a:t>Il nuovo indice della prima pagina è il più piccolo tra i due indici. Passiamo all'ordine superiore</a:t>
+              <a:t>Il nuovo indice della prima pagina è il più piccolo tra i due indici. Passiamo all'ordine superiore.</a:t>
             </a:r>
           </a:p>
         </p:txBody>
@@ -16734,11 +16742,7 @@
             <a:pPr marL="305435" indent="-305435"/>
             <a:r>
               <a:rPr lang="it-IT" sz="2200" dirty="0"/>
-              <a:t>Di fatto quello che otteniamo in questo ciclo </a:t>
-            </a:r>
-            <a:r>
-              <a:rPr lang="it-IT" sz="2200"/>
-              <a:t>è un merge del blocco a ed il suo </a:t>
+              <a:t>Di fatto quello che otteniamo in questo ciclo è un merge del blocco a ed il suo </a:t>
             </a:r>
             <a:r>
               <a:rPr lang="it-IT" sz="2200" dirty="0" err="1"/>
@@ -16754,7 +16758,7 @@
             </a:r>
             <a:r>
               <a:rPr lang="it-IT" sz="2200" dirty="0"/>
-              <a:t> o al raggiungimento dell'ordine massimo</a:t>
+              <a:t> o al raggiungimento dell'ordine massimo.</a:t>
             </a:r>
           </a:p>
           <a:p>
@@ -17298,14 +17302,14 @@
             </a:r>
             <a:r>
               <a:rPr lang="it-IT" sz="2400" dirty="0"/>
-              <a:t>frames liberi</a:t>
+              <a:t>frames liberi.</a:t>
             </a:r>
           </a:p>
           <a:p>
             <a:pPr marL="305435" indent="-305435"/>
             <a:r>
               <a:rPr lang="it-IT" sz="2400" dirty="0"/>
-              <a:t>Recuperiamo quindi la prima pagina a partire dall'indice e la settiamo come root e ne aggiorniamo l'ordine</a:t>
+              <a:t>Recuperiamo quindi la prima pagina a partire dall'indice e la settiamo come root e ne aggiorniamo l'ordine.</a:t>
             </a:r>
           </a:p>
           <a:p>
@@ -17558,7 +17562,7 @@
             </a:r>
             <a:r>
               <a:rPr lang="it-IT" sz="2400" i="1" dirty="0"/>
-              <a:t>free list</a:t>
+              <a:t>free list.</a:t>
             </a:r>
             <a:endParaRPr lang="it-IT" sz="2000" i="1" dirty="0"/>
           </a:p>
@@ -17804,7 +17808,7 @@
               <a:t>Ciò è possibile grazie all'uso di una libreria statica, </a:t>
             </a:r>
             <a:r>
-              <a:rPr lang="it-IT" sz="2400" i="1" err="1"/>
+              <a:rPr lang="it-IT" sz="2400" i="1" dirty="0" err="1"/>
               <a:t>buddysystem.a</a:t>
             </a:r>
             <a:r>
@@ -17820,10 +17824,13 @@
               <a:t>usando il comando </a:t>
             </a:r>
             <a:r>
-              <a:rPr lang="it-IT" sz="2400" i="1" err="1"/>
+              <a:rPr lang="it-IT" sz="2400" i="1" dirty="0" err="1"/>
               <a:t>target_link_libraries</a:t>
             </a:r>
-            <a:endParaRPr lang="it-IT" sz="2400" i="1"/>
+            <a:r>
+              <a:rPr lang="it-IT" sz="2400" i="1" dirty="0"/>
+              <a:t>.</a:t>
+            </a:r>
           </a:p>
         </p:txBody>
       </p:sp>
@@ -17978,6 +17985,13 @@
             <a:schemeClr val="lt1"/>
           </a:fontRef>
         </p:style>
+        <p:txBody>
+          <a:bodyPr/>
+          <a:lstStyle/>
+          <a:p>
+            <a:endParaRPr lang="it-IT"/>
+          </a:p>
+        </p:txBody>
       </p:sp>
       <p:sp>
         <p:nvSpPr>
@@ -18100,6 +18114,13 @@
               <a:schemeClr val="lt1"/>
             </a:fontRef>
           </p:style>
+          <p:txBody>
+            <a:bodyPr/>
+            <a:lstStyle/>
+            <a:p>
+              <a:endParaRPr lang="it-IT"/>
+            </a:p>
+          </p:txBody>
         </p:sp>
         <p:sp>
           <p:nvSpPr>
@@ -18152,6 +18173,13 @@
               <a:schemeClr val="lt1"/>
             </a:fontRef>
           </p:style>
+          <p:txBody>
+            <a:bodyPr/>
+            <a:lstStyle/>
+            <a:p>
+              <a:endParaRPr lang="it-IT"/>
+            </a:p>
+          </p:txBody>
         </p:sp>
         <p:sp>
           <p:nvSpPr>
@@ -18204,6 +18232,13 @@
               <a:schemeClr val="lt1"/>
             </a:fontRef>
           </p:style>
+          <p:txBody>
+            <a:bodyPr/>
+            <a:lstStyle/>
+            <a:p>
+              <a:endParaRPr lang="it-IT"/>
+            </a:p>
+          </p:txBody>
         </p:sp>
       </p:grpSp>
       <p:graphicFrame>
@@ -19053,12 +19088,12 @@
               <a:t>È possibile effettuare la compilazione condizionale del kernel mediante il comando </a:t>
             </a:r>
             <a:r>
-              <a:rPr lang="it-IT" sz="2200" i="1" err="1"/>
+              <a:rPr lang="it-IT" sz="2200" i="1" dirty="0" err="1"/>
               <a:t>ccmake</a:t>
             </a:r>
             <a:r>
               <a:rPr lang="it-IT" sz="2200" i="1" dirty="0"/>
-              <a:t>. </a:t>
+              <a:t>: </a:t>
             </a:r>
             <a:endParaRPr lang="it-IT" sz="2200" dirty="0"/>
           </a:p>
@@ -19079,7 +19114,7 @@
               <a:buNone/>
             </a:pPr>
             <a:r>
-              <a:rPr lang="it-IT" sz="2200" err="1">
+              <a:rPr lang="it-IT" sz="2200" dirty="0" err="1">
                 <a:latin typeface="Consolas"/>
               </a:rPr>
               <a:t>cmake</a:t>
@@ -19097,7 +19132,7 @@
               <a:buNone/>
             </a:pPr>
             <a:r>
-              <a:rPr lang="it-IT" sz="2200" err="1">
+              <a:rPr lang="it-IT" sz="2200" dirty="0" err="1">
                 <a:latin typeface="Consolas"/>
               </a:rPr>
               <a:t>ccmake</a:t>
@@ -19111,7 +19146,7 @@
             <a:endParaRPr lang="it-IT" sz="2200" dirty="0"/>
           </a:p>
           <a:p>
-            <a:pPr marL="0" indent="0">
+            <a:pPr marL="0" indent="0" algn="just">
               <a:buNone/>
             </a:pPr>
             <a:r>
@@ -19119,7 +19154,7 @@
               <a:t>Si aprirà un menù con la possibilità di selezionare diverse opzioni per diverse caratteristiche (es </a:t>
             </a:r>
             <a:r>
-              <a:rPr lang="it-IT" sz="2200" err="1"/>
+              <a:rPr lang="it-IT" sz="2200" dirty="0" err="1"/>
               <a:t>enable</a:t>
             </a:r>
             <a:r>
@@ -19127,7 +19162,7 @@
               <a:t>/</a:t>
             </a:r>
             <a:r>
-              <a:rPr lang="it-IT" sz="2200" err="1"/>
+              <a:rPr lang="it-IT" sz="2200" dirty="0" err="1"/>
               <a:t>disable</a:t>
             </a:r>
             <a:r>
@@ -19135,7 +19170,7 @@
               <a:t> debug, selezione dell'algoritmo di scheduling, </a:t>
             </a:r>
             <a:r>
-              <a:rPr lang="it-IT" sz="2200" err="1"/>
+              <a:rPr lang="it-IT" sz="2200" dirty="0" err="1"/>
               <a:t>etc</a:t>
             </a:r>
             <a:r>
@@ -19162,7 +19197,7 @@
               <a:rPr lang="it-IT" sz="2200" dirty="0">
                 <a:latin typeface="Gill Sans MT"/>
               </a:rPr>
-              <a:t>da settare su ON)</a:t>
+              <a:t>da settare su ON).</a:t>
             </a:r>
             <a:endParaRPr lang="it-IT" sz="2200" i="1" dirty="0"/>
           </a:p>
@@ -19432,7 +19467,7 @@
               <a:rPr lang="it-IT" sz="2200" dirty="0"/>
               <a:t>Ovviamente, selezionare l'opzione e compilare il codice presente nel sistema di base comporta il pressoché immediato crash del kernel, non appena si tenti di effettuare la prima allocazione di memoria. Questo perché, come abbiamo visto, le due funzioni sono di fatto vuote.</a:t>
             </a:r>
-            <a:endParaRPr lang="it-IT"/>
+            <a:endParaRPr lang="it-IT" dirty="0"/>
           </a:p>
           <a:p>
             <a:pPr marL="305435" indent="-305435">
@@ -19453,12 +19488,12 @@
               <a:t>Comprendere gli algoritmi di allocazione e rilascio della memoria, propri della strategia </a:t>
             </a:r>
             <a:r>
-              <a:rPr lang="it-IT" sz="2000" err="1"/>
+              <a:rPr lang="it-IT" sz="2000" dirty="0" err="1"/>
               <a:t>buddy</a:t>
             </a:r>
             <a:r>
               <a:rPr lang="it-IT" sz="2000" dirty="0"/>
-              <a:t> system</a:t>
+              <a:t> system;</a:t>
             </a:r>
           </a:p>
           <a:p>
@@ -19483,7 +19518,7 @@
             </a:r>
             <a:r>
               <a:rPr lang="it-IT" sz="2000" dirty="0"/>
-              <a:t> system così da poter operare su di esse. Sì è scelto di mantenere queste strutture in quanto la loro modifica avrebbe comportato la necessità di cambiare altre parti di codice. Per ridurre al minimo la possibilità di bug inattesi, abbiamo quindi optato per non modificarle</a:t>
+              <a:t> system così da poter operare su di esse. Sì è scelto di mantenere queste strutture in quanto la loro modifica avrebbe comportato la necessità di cambiare altre parti di codice. Per ridurre al minimo la possibilità di bug inattesi, abbiamo quindi optato per non modificarle;</a:t>
             </a:r>
           </a:p>
           <a:p>
@@ -19679,7 +19714,7 @@
               <a:rPr lang="it-IT" sz="2400" dirty="0"/>
               <a:t>Una volta trovato, si procede a ridurlo di dimensioni fino ad arrivare alla minima potenza di due in grado di soddisfare la richiesta. </a:t>
             </a:r>
-            <a:endParaRPr lang="it-IT"/>
+            <a:endParaRPr lang="it-IT" dirty="0"/>
           </a:p>
           <a:p>
             <a:pPr marL="305435" indent="-305435">
@@ -19696,7 +19731,7 @@
             </a:r>
             <a:r>
               <a:rPr lang="it-IT" sz="2400" dirty="0"/>
-              <a:t>, cioè un blocco di frame liberi, che dovrà essere inserito nella lista di ordine corretto</a:t>
+              <a:t>, cioè un blocco di frame liberi, che dovrà essere inserito nella lista di ordine corretto.</a:t>
             </a:r>
             <a:endParaRPr lang="it-IT" dirty="0"/>
           </a:p>
@@ -19979,7 +20014,7 @@
             </a:r>
             <a:r>
               <a:rPr lang="it-IT" sz="2200" b="1" dirty="0"/>
-              <a:t>ro</a:t>
+              <a:t>ro;</a:t>
             </a:r>
             <a:endParaRPr lang="it-IT" sz="2200" dirty="0"/>
           </a:p>
@@ -20000,7 +20035,7 @@
               <a:buAutoNum type="arabicPeriod"/>
             </a:pPr>
             <a:r>
-              <a:rPr lang="it-IT" sz="2000" b="1" err="1">
+              <a:rPr lang="it-IT" sz="2000" b="1" dirty="0" err="1">
                 <a:ea typeface="+mn-lt"/>
                 <a:cs typeface="+mn-lt"/>
               </a:rPr>
@@ -20026,7 +20061,7 @@
               <a:t>   </a:t>
             </a:r>
             <a:r>
-              <a:rPr lang="it-IT" sz="2000" b="1" err="1">
+              <a:rPr lang="it-IT" sz="2000" b="1" dirty="0" err="1">
                 <a:ea typeface="+mn-lt"/>
                 <a:cs typeface="+mn-lt"/>
               </a:rPr>
@@ -20040,7 +20075,7 @@
               <a:t> (!</a:t>
             </a:r>
             <a:r>
-              <a:rPr lang="it-IT" sz="2000" err="1">
+              <a:rPr lang="it-IT" sz="2000" dirty="0" err="1">
                 <a:ea typeface="+mn-lt"/>
                 <a:cs typeface="+mn-lt"/>
               </a:rPr>
@@ -20054,7 +20089,7 @@
               <a:t>(fr[fo])) </a:t>
             </a:r>
             <a:r>
-              <a:rPr lang="it-IT" sz="2000" err="1">
+              <a:rPr lang="it-IT" sz="2000" dirty="0" err="1">
                 <a:ea typeface="+mn-lt"/>
                 <a:cs typeface="+mn-lt"/>
               </a:rPr>
@@ -20099,7 +20134,7 @@
               <a:t>   end </a:t>
             </a:r>
             <a:r>
-              <a:rPr lang="it-IT" sz="2000" b="1" err="1">
+              <a:rPr lang="it-IT" sz="2000" b="1" dirty="0" err="1">
                 <a:ea typeface="+mn-lt"/>
                 <a:cs typeface="+mn-lt"/>
               </a:rPr>
@@ -20137,7 +20172,7 @@
               <a:t>end </a:t>
             </a:r>
             <a:r>
-              <a:rPr lang="it-IT" sz="2000" b="1" err="1">
+              <a:rPr lang="it-IT" sz="2000" b="1" dirty="0" err="1">
                 <a:ea typeface="+mn-lt"/>
                 <a:cs typeface="+mn-lt"/>
               </a:rPr>
@@ -20156,7 +20191,7 @@
               <a:buAutoNum type="arabicPeriod"/>
             </a:pPr>
             <a:r>
-              <a:rPr lang="it-IT" sz="2000" err="1">
+              <a:rPr lang="it-IT" sz="2000" dirty="0" err="1">
                 <a:ea typeface="+mn-lt"/>
                 <a:cs typeface="+mn-lt"/>
               </a:rPr>
@@ -20194,7 +20229,7 @@
               <a:buAutoNum type="arabicPeriod"/>
             </a:pPr>
             <a:r>
-              <a:rPr lang="it-IT" sz="2000" err="1">
+              <a:rPr lang="it-IT" sz="2000" dirty="0" err="1">
                 <a:ea typeface="+mn-lt"/>
                 <a:cs typeface="+mn-lt"/>
               </a:rPr>
@@ -20208,7 +20243,7 @@
               <a:t> = </a:t>
             </a:r>
             <a:r>
-              <a:rPr lang="it-IT" sz="2000" err="1">
+              <a:rPr lang="it-IT" sz="2000" dirty="0" err="1">
                 <a:ea typeface="+mn-lt"/>
                 <a:cs typeface="+mn-lt"/>
               </a:rPr>
@@ -20237,7 +20272,7 @@
               <a:buAutoNum type="arabicPeriod"/>
             </a:pPr>
             <a:r>
-              <a:rPr lang="it-IT" sz="2000" err="1">
+              <a:rPr lang="it-IT" sz="2000" dirty="0" err="1">
                 <a:ea typeface="+mn-lt"/>
                 <a:cs typeface="+mn-lt"/>
               </a:rPr>
@@ -20251,7 +20286,7 @@
               <a:t>(fr[fo], </a:t>
             </a:r>
             <a:r>
-              <a:rPr lang="it-IT" sz="2000" err="1">
+              <a:rPr lang="it-IT" sz="2000" dirty="0" err="1">
                 <a:ea typeface="+mn-lt"/>
                 <a:cs typeface="+mn-lt"/>
               </a:rPr>
@@ -20542,7 +20577,7 @@
               <a:buAutoNum type="arabicPeriod"/>
             </a:pPr>
             <a:r>
-              <a:rPr lang="it-IT" sz="2400" b="1" err="1">
+              <a:rPr lang="it-IT" sz="2400" b="1" dirty="0" err="1">
                 <a:ea typeface="+mn-lt"/>
                 <a:cs typeface="+mn-lt"/>
               </a:rPr>
@@ -20661,7 +20696,7 @@
               <a:t>   </a:t>
             </a:r>
             <a:r>
-              <a:rPr lang="it-IT" sz="2400" err="1">
+              <a:rPr lang="it-IT" sz="2400" dirty="0" err="1">
                 <a:ea typeface="+mn-lt"/>
                 <a:cs typeface="+mn-lt"/>
               </a:rPr>
@@ -20675,7 +20710,7 @@
               <a:t>(fr[fo], </a:t>
             </a:r>
             <a:r>
-              <a:rPr lang="it-IT" sz="2400" err="1">
+              <a:rPr lang="it-IT" sz="2400" dirty="0" err="1">
                 <a:ea typeface="+mn-lt"/>
                 <a:cs typeface="+mn-lt"/>
               </a:rPr>
@@ -20705,7 +20740,7 @@
               </a:rPr>
               <a:t> </a:t>
             </a:r>
-            <a:endParaRPr lang="it-IT"/>
+            <a:endParaRPr lang="it-IT" dirty="0"/>
           </a:p>
           <a:p>
             <a:pPr marL="457200" indent="-457200">
@@ -20719,7 +20754,7 @@
               <a:t>  </a:t>
             </a:r>
             <a:r>
-              <a:rPr lang="it-IT" sz="2400" err="1">
+              <a:rPr lang="it-IT" sz="2400" dirty="0" err="1">
                 <a:ea typeface="+mn-lt"/>
                 <a:cs typeface="+mn-lt"/>
               </a:rPr>
@@ -20733,7 +20768,7 @@
               <a:t> = </a:t>
             </a:r>
             <a:r>
-              <a:rPr lang="it-IT" sz="2400" err="1">
+              <a:rPr lang="it-IT" sz="2400" dirty="0" err="1">
                 <a:ea typeface="+mn-lt"/>
                 <a:cs typeface="+mn-lt"/>
               </a:rPr>
@@ -20747,7 +20782,7 @@
               <a:t>(</a:t>
             </a:r>
             <a:r>
-              <a:rPr lang="it-IT" sz="2400" err="1">
+              <a:rPr lang="it-IT" sz="2400" dirty="0" err="1">
                 <a:ea typeface="+mn-lt"/>
                 <a:cs typeface="+mn-lt"/>
               </a:rPr>
@@ -20788,13 +20823,13 @@
               <a:t>end </a:t>
             </a:r>
             <a:r>
-              <a:rPr lang="it-IT" sz="2400" b="1" err="1">
+              <a:rPr lang="it-IT" sz="2400" b="1" dirty="0" err="1">
                 <a:ea typeface="+mn-lt"/>
                 <a:cs typeface="+mn-lt"/>
               </a:rPr>
               <a:t>while</a:t>
             </a:r>
-            <a:endParaRPr lang="it-IT" sz="2400" b="1">
+            <a:endParaRPr lang="it-IT" sz="2400" b="1" dirty="0">
               <a:ea typeface="+mn-lt"/>
               <a:cs typeface="+mn-lt"/>
             </a:endParaRPr>
@@ -20820,6 +20855,11 @@
               <a:rPr lang="it-IT" sz="2400" b="1" dirty="0"/>
               <a:t>fo</a:t>
             </a:r>
+            <a:r>
+              <a:rPr lang="it-IT" sz="2400" dirty="0"/>
+              <a:t>.</a:t>
+            </a:r>
+            <a:endParaRPr lang="it-IT" sz="2400" b="1" dirty="0"/>
           </a:p>
         </p:txBody>
       </p:sp>
@@ -20914,14 +20954,14 @@
               <a:t>L'algoritmo utilizzato per la liberazione della memoria consiste nel rintracciare ad ogni iterazione il </a:t>
             </a:r>
             <a:r>
-              <a:rPr lang="it-IT" sz="2400" err="1"/>
+              <a:rPr lang="it-IT" sz="2400" dirty="0" err="1"/>
               <a:t>buddy</a:t>
             </a:r>
             <a:r>
               <a:rPr lang="it-IT" sz="2400" dirty="0"/>
               <a:t> del blocco attuale, dopo aver posto come liberi i frame del blocco. </a:t>
             </a:r>
-            <a:endParaRPr lang="it-IT"/>
+            <a:endParaRPr lang="it-IT" dirty="0"/>
           </a:p>
           <a:p>
             <a:pPr marL="342900" indent="-342900"/>
@@ -20930,7 +20970,7 @@
               <a:t>Se lo si trova, si effettua un merge dei due blocchi ottenendone uno di ordine superiore (e quindi di dimensione doppia). Per essere un </a:t>
             </a:r>
             <a:r>
-              <a:rPr lang="it-IT" sz="2400" err="1"/>
+              <a:rPr lang="it-IT" sz="2400" dirty="0" err="1"/>
               <a:t>buddy</a:t>
             </a:r>
             <a:r>
@@ -20951,7 +20991,7 @@
             </a:r>
             <a:r>
               <a:rPr lang="it-IT" sz="2400" dirty="0"/>
-              <a:t> validi o si è raggiunto l'ordine massimo per il sistema</a:t>
+              <a:t> validi o si è raggiunto l'ordine massimo per il sistema.</a:t>
             </a:r>
           </a:p>
           <a:p>
